--- a/docs/slides/Exit.pptx
+++ b/docs/slides/Exit.pptx
@@ -126,12 +126,137 @@
 </p:presentation>
 </file>
 
-<file path=ppt/revisionInfo.xml><?xml version="1.0" encoding="utf-8"?>
-<p1510:revInfo xmlns:a="http://schemas.openxmlformats.org/drawingml/2006/main" xmlns:r="http://schemas.openxmlformats.org/officeDocument/2006/relationships" xmlns:p1510="http://schemas.microsoft.com/office/powerpoint/2015/10/main">
-  <p1510:revLst>
-    <p1510:client id="{399B34CB-0DE2-46F2-B8AA-609D3AE22DA7}" v="126" dt="2020-03-23T06:35:26.655"/>
-  </p1510:revLst>
-</p1510:revInfo>
+<file path=ppt/changesInfos/changesInfo1.xml><?xml version="1.0" encoding="utf-8"?>
+<pc:chgInfo xmlns:a="http://schemas.openxmlformats.org/drawingml/2006/main" xmlns:r="http://schemas.openxmlformats.org/officeDocument/2006/relationships" xmlns:ac="http://schemas.microsoft.com/office/drawing/2013/main/command" xmlns:pc="http://schemas.microsoft.com/office/powerpoint/2013/main/command">
+  <pc:docChgLst>
+    <pc:chgData name="Shannon Wong" userId="8c83f3d3550a5322" providerId="LiveId" clId="{BD5D8F0F-BE54-4BEF-B8C0-2A342CEC57F4}"/>
+    <pc:docChg chg="undo custSel modSld">
+      <pc:chgData name="Shannon Wong" userId="8c83f3d3550a5322" providerId="LiveId" clId="{BD5D8F0F-BE54-4BEF-B8C0-2A342CEC57F4}" dt="2020-04-04T04:37:07" v="27" actId="14100"/>
+      <pc:docMkLst>
+        <pc:docMk/>
+      </pc:docMkLst>
+      <pc:sldChg chg="addSp delSp modSp">
+        <pc:chgData name="Shannon Wong" userId="8c83f3d3550a5322" providerId="LiveId" clId="{BD5D8F0F-BE54-4BEF-B8C0-2A342CEC57F4}" dt="2020-04-04T04:37:07" v="27" actId="14100"/>
+        <pc:sldMkLst>
+          <pc:docMk/>
+          <pc:sldMk cId="3228498101" sldId="269"/>
+        </pc:sldMkLst>
+        <pc:spChg chg="mod">
+          <ac:chgData name="Shannon Wong" userId="8c83f3d3550a5322" providerId="LiveId" clId="{BD5D8F0F-BE54-4BEF-B8C0-2A342CEC57F4}" dt="2020-04-04T04:37:04.147" v="26" actId="14100"/>
+          <ac:spMkLst>
+            <pc:docMk/>
+            <pc:sldMk cId="3228498101" sldId="269"/>
+            <ac:spMk id="5" creationId="{00000000-0000-0000-0000-000000000000}"/>
+          </ac:spMkLst>
+        </pc:spChg>
+        <pc:spChg chg="del">
+          <ac:chgData name="Shannon Wong" userId="8c83f3d3550a5322" providerId="LiveId" clId="{BD5D8F0F-BE54-4BEF-B8C0-2A342CEC57F4}" dt="2020-04-04T04:35:20.529" v="0" actId="478"/>
+          <ac:spMkLst>
+            <pc:docMk/>
+            <pc:sldMk cId="3228498101" sldId="269"/>
+            <ac:spMk id="17" creationId="{00000000-0000-0000-0000-000000000000}"/>
+          </ac:spMkLst>
+        </pc:spChg>
+        <pc:spChg chg="mod">
+          <ac:chgData name="Shannon Wong" userId="8c83f3d3550a5322" providerId="LiveId" clId="{BD5D8F0F-BE54-4BEF-B8C0-2A342CEC57F4}" dt="2020-04-04T04:37:07" v="27" actId="14100"/>
+          <ac:spMkLst>
+            <pc:docMk/>
+            <pc:sldMk cId="3228498101" sldId="269"/>
+            <ac:spMk id="19" creationId="{00000000-0000-0000-0000-000000000000}"/>
+          </ac:spMkLst>
+        </pc:spChg>
+        <pc:spChg chg="mod">
+          <ac:chgData name="Shannon Wong" userId="8c83f3d3550a5322" providerId="LiveId" clId="{BD5D8F0F-BE54-4BEF-B8C0-2A342CEC57F4}" dt="2020-04-04T04:35:40.801" v="6" actId="14100"/>
+          <ac:spMkLst>
+            <pc:docMk/>
+            <pc:sldMk cId="3228498101" sldId="269"/>
+            <ac:spMk id="20" creationId="{00000000-0000-0000-0000-000000000000}"/>
+          </ac:spMkLst>
+        </pc:spChg>
+        <pc:spChg chg="mod">
+          <ac:chgData name="Shannon Wong" userId="8c83f3d3550a5322" providerId="LiveId" clId="{BD5D8F0F-BE54-4BEF-B8C0-2A342CEC57F4}" dt="2020-04-04T04:36:40.669" v="22" actId="14100"/>
+          <ac:spMkLst>
+            <pc:docMk/>
+            <pc:sldMk cId="3228498101" sldId="269"/>
+            <ac:spMk id="24" creationId="{00000000-0000-0000-0000-000000000000}"/>
+          </ac:spMkLst>
+        </pc:spChg>
+        <pc:spChg chg="mod">
+          <ac:chgData name="Shannon Wong" userId="8c83f3d3550a5322" providerId="LiveId" clId="{BD5D8F0F-BE54-4BEF-B8C0-2A342CEC57F4}" dt="2020-04-04T04:36:54.976" v="24" actId="14100"/>
+          <ac:spMkLst>
+            <pc:docMk/>
+            <pc:sldMk cId="3228498101" sldId="269"/>
+            <ac:spMk id="30" creationId="{FDA32707-D20E-473E-ACEB-0E87B57EE3F4}"/>
+          </ac:spMkLst>
+        </pc:spChg>
+        <pc:spChg chg="mod">
+          <ac:chgData name="Shannon Wong" userId="8c83f3d3550a5322" providerId="LiveId" clId="{BD5D8F0F-BE54-4BEF-B8C0-2A342CEC57F4}" dt="2020-04-04T04:37:01.312" v="25" actId="14100"/>
+          <ac:spMkLst>
+            <pc:docMk/>
+            <pc:sldMk cId="3228498101" sldId="269"/>
+            <ac:spMk id="33" creationId="{00000000-0000-0000-0000-000000000000}"/>
+          </ac:spMkLst>
+        </pc:spChg>
+        <pc:spChg chg="mod">
+          <ac:chgData name="Shannon Wong" userId="8c83f3d3550a5322" providerId="LiveId" clId="{BD5D8F0F-BE54-4BEF-B8C0-2A342CEC57F4}" dt="2020-04-04T04:35:52.343" v="10" actId="14100"/>
+          <ac:spMkLst>
+            <pc:docMk/>
+            <pc:sldMk cId="3228498101" sldId="269"/>
+            <ac:spMk id="34" creationId="{00000000-0000-0000-0000-000000000000}"/>
+          </ac:spMkLst>
+        </pc:spChg>
+        <pc:spChg chg="del">
+          <ac:chgData name="Shannon Wong" userId="8c83f3d3550a5322" providerId="LiveId" clId="{BD5D8F0F-BE54-4BEF-B8C0-2A342CEC57F4}" dt="2020-04-04T04:35:33.012" v="4" actId="478"/>
+          <ac:spMkLst>
+            <pc:docMk/>
+            <pc:sldMk cId="3228498101" sldId="269"/>
+            <ac:spMk id="40" creationId="{00000000-0000-0000-0000-000000000000}"/>
+          </ac:spMkLst>
+        </pc:spChg>
+        <pc:spChg chg="del">
+          <ac:chgData name="Shannon Wong" userId="8c83f3d3550a5322" providerId="LiveId" clId="{BD5D8F0F-BE54-4BEF-B8C0-2A342CEC57F4}" dt="2020-04-04T04:35:27.151" v="3" actId="478"/>
+          <ac:spMkLst>
+            <pc:docMk/>
+            <pc:sldMk cId="3228498101" sldId="269"/>
+            <ac:spMk id="44" creationId="{1ABAE2EE-0C6F-40C9-9F83-C6E45146189B}"/>
+          </ac:spMkLst>
+        </pc:spChg>
+        <pc:spChg chg="mod">
+          <ac:chgData name="Shannon Wong" userId="8c83f3d3550a5322" providerId="LiveId" clId="{BD5D8F0F-BE54-4BEF-B8C0-2A342CEC57F4}" dt="2020-04-04T04:36:09.922" v="15" actId="14100"/>
+          <ac:spMkLst>
+            <pc:docMk/>
+            <pc:sldMk cId="3228498101" sldId="269"/>
+            <ac:spMk id="45" creationId="{0EB24DA8-2498-4853-AED4-3458A81C456A}"/>
+          </ac:spMkLst>
+        </pc:spChg>
+        <pc:spChg chg="mod">
+          <ac:chgData name="Shannon Wong" userId="8c83f3d3550a5322" providerId="LiveId" clId="{BD5D8F0F-BE54-4BEF-B8C0-2A342CEC57F4}" dt="2020-04-04T04:36:30.965" v="19" actId="688"/>
+          <ac:spMkLst>
+            <pc:docMk/>
+            <pc:sldMk cId="3228498101" sldId="269"/>
+            <ac:spMk id="47" creationId="{342B431E-151F-4A55-A1AE-57F6FE56D1EF}"/>
+          </ac:spMkLst>
+        </pc:spChg>
+        <pc:spChg chg="mod">
+          <ac:chgData name="Shannon Wong" userId="8c83f3d3550a5322" providerId="LiveId" clId="{BD5D8F0F-BE54-4BEF-B8C0-2A342CEC57F4}" dt="2020-04-04T04:36:03.798" v="13" actId="14100"/>
+          <ac:spMkLst>
+            <pc:docMk/>
+            <pc:sldMk cId="3228498101" sldId="269"/>
+            <ac:spMk id="48" creationId="{5278BFBC-6FA4-432C-994E-8DD2A55ED046}"/>
+          </ac:spMkLst>
+        </pc:spChg>
+        <pc:grpChg chg="add del mod">
+          <ac:chgData name="Shannon Wong" userId="8c83f3d3550a5322" providerId="LiveId" clId="{BD5D8F0F-BE54-4BEF-B8C0-2A342CEC57F4}" dt="2020-04-04T04:36:36.427" v="21" actId="14100"/>
+          <ac:grpSpMkLst>
+            <pc:docMk/>
+            <pc:sldMk cId="3228498101" sldId="269"/>
+            <ac:grpSpMk id="3" creationId="{9FBBA2CE-ADC1-4537-8EF0-01831B9D92F7}"/>
+          </ac:grpSpMkLst>
+        </pc:grpChg>
+      </pc:sldChg>
+    </pc:docChg>
+  </pc:docChgLst>
+</pc:chgInfo>
 </file>
 
 <file path=ppt/notesMasters/notesMaster1.xml><?xml version="1.0" encoding="utf-8"?>
@@ -216,7 +341,7 @@
           <a:p>
             <a:fld id="{9629A0FB-7277-41B0-BEC2-EE35F8B0CE39}" type="datetimeFigureOut">
               <a:rPr lang="en-SG" smtClean="0"/>
-              <a:t>25/3/2020</a:t>
+              <a:t>4/4/2020</a:t>
             </a:fld>
             <a:endParaRPr lang="en-SG"/>
           </a:p>
@@ -3939,10 +4064,10 @@
           </p:nvGrpSpPr>
           <p:grpSpPr>
             <a:xfrm>
-              <a:off x="603890" y="1440950"/>
-              <a:ext cx="6058413" cy="4036968"/>
-              <a:chOff x="603890" y="1440950"/>
-              <a:chExt cx="6058413" cy="4036968"/>
+              <a:off x="728768" y="1440950"/>
+              <a:ext cx="5933535" cy="4036968"/>
+              <a:chOff x="728768" y="1440950"/>
+              <a:chExt cx="5933535" cy="4036968"/>
             </a:xfrm>
           </p:grpSpPr>
           <p:sp>
@@ -3956,7 +4081,7 @@
             <p:spPr bwMode="auto">
               <a:xfrm>
                 <a:off x="728768" y="1440950"/>
-                <a:ext cx="10115" cy="3904336"/>
+                <a:ext cx="0" cy="3904336"/>
               </a:xfrm>
               <a:prstGeom prst="line">
                 <a:avLst/>
@@ -4072,62 +4197,6 @@
           </p:sp>
           <p:sp>
             <p:nvSpPr>
-              <p:cNvPr id="17" name="Rectangle 16"/>
-              <p:cNvSpPr/>
-              <p:nvPr/>
-            </p:nvSpPr>
-            <p:spPr>
-              <a:xfrm>
-                <a:off x="603890" y="1721228"/>
-                <a:ext cx="225619" cy="3348432"/>
-              </a:xfrm>
-              <a:prstGeom prst="rect">
-                <a:avLst/>
-              </a:prstGeom>
-              <a:solidFill>
-                <a:schemeClr val="accent2">
-                  <a:lumMod val="40000"/>
-                  <a:lumOff val="60000"/>
-                </a:schemeClr>
-              </a:solidFill>
-              <a:ln>
-                <a:solidFill>
-                  <a:schemeClr val="accent2">
-                    <a:lumMod val="60000"/>
-                    <a:lumOff val="40000"/>
-                  </a:schemeClr>
-                </a:solidFill>
-              </a:ln>
-            </p:spPr>
-            <p:style>
-              <a:lnRef idx="2">
-                <a:schemeClr val="accent4"/>
-              </a:lnRef>
-              <a:fillRef idx="1">
-                <a:schemeClr val="lt1"/>
-              </a:fillRef>
-              <a:effectRef idx="0">
-                <a:schemeClr val="accent4"/>
-              </a:effectRef>
-              <a:fontRef idx="minor">
-                <a:schemeClr val="dk1"/>
-              </a:fontRef>
-            </p:style>
-            <p:txBody>
-              <a:bodyPr rtlCol="0" anchor="ctr"/>
-              <a:lstStyle/>
-              <a:p>
-                <a:pPr algn="ctr" defTabSz="872733"/>
-                <a:endParaRPr lang="en-US" sz="1500">
-                  <a:solidFill>
-                    <a:prstClr val="black"/>
-                  </a:solidFill>
-                </a:endParaRPr>
-              </a:p>
-            </p:txBody>
-          </p:sp>
-          <p:sp>
-            <p:nvSpPr>
               <p:cNvPr id="18" name="Text Box 11"/>
               <p:cNvSpPr txBox="1">
                 <a:spLocks noChangeArrowheads="1"/>
@@ -4209,7 +4278,7 @@
             <p:spPr bwMode="auto">
               <a:xfrm flipH="1">
                 <a:off x="3018095" y="2137789"/>
-                <a:ext cx="8589" cy="1590924"/>
+                <a:ext cx="0" cy="1590924"/>
               </a:xfrm>
               <a:prstGeom prst="line">
                 <a:avLst/>
@@ -4262,8 +4331,8 @@
             </p:nvSpPr>
             <p:spPr bwMode="auto">
               <a:xfrm flipV="1">
-                <a:off x="823868" y="1898263"/>
-                <a:ext cx="1747815" cy="12191"/>
+                <a:off x="749000" y="1898262"/>
+                <a:ext cx="1822684" cy="0"/>
               </a:xfrm>
               <a:prstGeom prst="line">
                 <a:avLst/>
@@ -4283,7 +4352,7 @@
               <a:lstStyle/>
               <a:p>
                 <a:pPr defTabSz="872733"/>
-                <a:endParaRPr lang="en-US" sz="1500">
+                <a:endParaRPr lang="en-US" sz="1500" dirty="0">
                   <a:solidFill>
                     <a:prstClr val="black"/>
                   </a:solidFill>
@@ -4300,9 +4369,9 @@
               <p:nvPr/>
             </p:nvSpPr>
             <p:spPr bwMode="auto">
-              <a:xfrm flipV="1">
-                <a:off x="3194466" y="3121220"/>
-                <a:ext cx="1871184" cy="18880"/>
+              <a:xfrm>
+                <a:off x="3006451" y="3090494"/>
+                <a:ext cx="2059199" cy="0"/>
               </a:xfrm>
               <a:prstGeom prst="line">
                 <a:avLst/>
@@ -4448,7 +4517,7 @@
             <p:spPr bwMode="auto">
               <a:xfrm flipH="1">
                 <a:off x="5843365" y="3396473"/>
-                <a:ext cx="4560" cy="1893221"/>
+                <a:ext cx="0" cy="1893221"/>
               </a:xfrm>
               <a:prstGeom prst="line">
                 <a:avLst/>
@@ -4500,9 +4569,9 @@
               <p:nvPr/>
             </p:nvSpPr>
             <p:spPr bwMode="auto">
-              <a:xfrm flipV="1">
-                <a:off x="863760" y="2696243"/>
-                <a:ext cx="2040971" cy="1"/>
+              <a:xfrm>
+                <a:off x="728768" y="2696242"/>
+                <a:ext cx="2287801" cy="0"/>
               </a:xfrm>
               <a:prstGeom prst="line">
                 <a:avLst/>
@@ -4576,122 +4645,6 @@
           </p:sp>
           <p:sp>
             <p:nvSpPr>
-              <p:cNvPr id="40" name="Rectangle 39"/>
-              <p:cNvSpPr/>
-              <p:nvPr/>
-            </p:nvSpPr>
-            <p:spPr>
-              <a:xfrm>
-                <a:off x="5717684" y="4066313"/>
-                <a:ext cx="251361" cy="878804"/>
-              </a:xfrm>
-              <a:prstGeom prst="rect">
-                <a:avLst/>
-              </a:prstGeom>
-              <a:solidFill>
-                <a:schemeClr val="accent3">
-                  <a:lumMod val="20000"/>
-                  <a:lumOff val="80000"/>
-                </a:schemeClr>
-              </a:solidFill>
-              <a:ln>
-                <a:solidFill>
-                  <a:schemeClr val="accent3">
-                    <a:lumMod val="75000"/>
-                  </a:schemeClr>
-                </a:solidFill>
-              </a:ln>
-            </p:spPr>
-            <p:style>
-              <a:lnRef idx="2">
-                <a:schemeClr val="accent4"/>
-              </a:lnRef>
-              <a:fillRef idx="1">
-                <a:schemeClr val="lt1"/>
-              </a:fillRef>
-              <a:effectRef idx="0">
-                <a:schemeClr val="accent4"/>
-              </a:effectRef>
-              <a:fontRef idx="minor">
-                <a:schemeClr val="dk1"/>
-              </a:fontRef>
-            </p:style>
-            <p:txBody>
-              <a:bodyPr rtlCol="0" anchor="ctr"/>
-              <a:lstStyle/>
-              <a:p>
-                <a:pPr algn="ctr" defTabSz="872733"/>
-                <a:endParaRPr lang="en-US" sz="1500">
-                  <a:solidFill>
-                    <a:prstClr val="black"/>
-                  </a:solidFill>
-                </a:endParaRPr>
-              </a:p>
-            </p:txBody>
-          </p:sp>
-          <p:sp>
-            <p:nvSpPr>
-              <p:cNvPr id="44" name="Rectangle 43">
-                <a:extLst>
-                  <a:ext uri="{FF2B5EF4-FFF2-40B4-BE49-F238E27FC236}">
-                    <a16:creationId xmlns:a16="http://schemas.microsoft.com/office/drawing/2014/main" id="{1ABAE2EE-0C6F-40C9-9F83-C6E45146189B}"/>
-                  </a:ext>
-                </a:extLst>
-              </p:cNvPr>
-              <p:cNvSpPr/>
-              <p:nvPr/>
-            </p:nvSpPr>
-            <p:spPr>
-              <a:xfrm>
-                <a:off x="2888219" y="2698465"/>
-                <a:ext cx="286905" cy="893938"/>
-              </a:xfrm>
-              <a:prstGeom prst="rect">
-                <a:avLst/>
-              </a:prstGeom>
-              <a:solidFill>
-                <a:schemeClr val="accent4">
-                  <a:lumMod val="40000"/>
-                  <a:lumOff val="60000"/>
-                </a:schemeClr>
-              </a:solidFill>
-              <a:ln>
-                <a:solidFill>
-                  <a:schemeClr val="accent4">
-                    <a:lumMod val="75000"/>
-                  </a:schemeClr>
-                </a:solidFill>
-              </a:ln>
-            </p:spPr>
-            <p:style>
-              <a:lnRef idx="2">
-                <a:schemeClr val="accent4"/>
-              </a:lnRef>
-              <a:fillRef idx="1">
-                <a:schemeClr val="lt1"/>
-              </a:fillRef>
-              <a:effectRef idx="0">
-                <a:schemeClr val="accent4"/>
-              </a:effectRef>
-              <a:fontRef idx="minor">
-                <a:schemeClr val="dk1"/>
-              </a:fontRef>
-            </p:style>
-            <p:txBody>
-              <a:bodyPr rtlCol="0" anchor="ctr"/>
-              <a:lstStyle/>
-              <a:p>
-                <a:pPr algn="ctr" defTabSz="872733"/>
-                <a:endParaRPr lang="en-US" sz="1500">
-                  <a:solidFill>
-                    <a:prstClr val="black"/>
-                  </a:solidFill>
-                </a:endParaRPr>
-              </a:p>
-            </p:txBody>
-          </p:sp>
-          <p:sp>
-            <p:nvSpPr>
               <p:cNvPr id="45" name="Line 15">
                 <a:extLst>
                   <a:ext uri="{FF2B5EF4-FFF2-40B4-BE49-F238E27FC236}">
@@ -4706,8 +4659,8 @@
             </p:nvSpPr>
             <p:spPr bwMode="auto">
               <a:xfrm>
-                <a:off x="875317" y="4066311"/>
-                <a:ext cx="4877422" cy="12839"/>
+                <a:off x="728768" y="4066310"/>
+                <a:ext cx="5114597" cy="0"/>
               </a:xfrm>
               <a:prstGeom prst="line">
                 <a:avLst/>
@@ -4754,7 +4707,7 @@
             <p:spPr bwMode="auto">
               <a:xfrm>
                 <a:off x="3174259" y="2826789"/>
-                <a:ext cx="2084117" cy="323165"/>
+                <a:ext cx="1404873" cy="323165"/>
               </a:xfrm>
               <a:prstGeom prst="rect">
                 <a:avLst/>
@@ -4806,9 +4759,9 @@
               <p:nvPr/>
             </p:nvSpPr>
             <p:spPr bwMode="auto">
-              <a:xfrm flipH="1">
-                <a:off x="852246" y="3573169"/>
-                <a:ext cx="2016629" cy="7945"/>
+              <a:xfrm flipH="1" flipV="1">
+                <a:off x="748998" y="3568305"/>
+                <a:ext cx="2257453" cy="0"/>
               </a:xfrm>
               <a:prstGeom prst="line">
                 <a:avLst/>
@@ -5075,8 +5028,8 @@
             </p:nvSpPr>
             <p:spPr bwMode="auto">
               <a:xfrm flipH="1">
-                <a:off x="1030975" y="4943960"/>
-                <a:ext cx="4721764" cy="18078"/>
+                <a:off x="748997" y="4943959"/>
+                <a:ext cx="5084251" cy="1"/>
               </a:xfrm>
               <a:prstGeom prst="line">
                 <a:avLst/>

--- a/docs/slides/Exit.pptx
+++ b/docs/slides/Exit.pptx
@@ -341,7 +341,7 @@
           <a:p>
             <a:fld id="{9629A0FB-7277-41B0-BEC2-EE35F8B0CE39}" type="datetimeFigureOut">
               <a:rPr lang="en-SG" smtClean="0"/>
-              <a:t>4/4/2020</a:t>
+              <a:t>5/4/2020</a:t>
             </a:fld>
             <a:endParaRPr lang="en-SG"/>
           </a:p>
@@ -3955,10 +3955,10 @@
       </p:grpSpPr>
       <p:grpSp>
         <p:nvGrpSpPr>
-          <p:cNvPr id="3" name="Group 2">
+          <p:cNvPr id="2" name="Group 1">
             <a:extLst>
               <a:ext uri="{FF2B5EF4-FFF2-40B4-BE49-F238E27FC236}">
-                <a16:creationId xmlns:a16="http://schemas.microsoft.com/office/drawing/2014/main" id="{9FBBA2CE-ADC1-4537-8EF0-01831B9D92F7}"/>
+                <a16:creationId xmlns:a16="http://schemas.microsoft.com/office/drawing/2014/main" id="{BD52646B-7910-4CF7-A703-93E8C002A835}"/>
               </a:ext>
             </a:extLst>
           </p:cNvPr>
@@ -3967,21 +3967,70 @@
         </p:nvGrpSpPr>
         <p:grpSpPr>
           <a:xfrm>
-            <a:off x="1075555" y="798625"/>
-            <a:ext cx="6544445" cy="4679293"/>
-            <a:chOff x="117858" y="798625"/>
-            <a:chExt cx="6544445" cy="4679293"/>
+            <a:off x="1686465" y="1440950"/>
+            <a:ext cx="5933535" cy="4036968"/>
+            <a:chOff x="728768" y="1440950"/>
+            <a:chExt cx="5933535" cy="4036968"/>
           </a:xfrm>
         </p:grpSpPr>
         <p:sp>
           <p:nvSpPr>
-            <p:cNvPr id="43" name="Text Box 11">
-              <a:extLst>
-                <a:ext uri="{FF2B5EF4-FFF2-40B4-BE49-F238E27FC236}">
-                  <a16:creationId xmlns:a16="http://schemas.microsoft.com/office/drawing/2014/main" id="{79ACA4C9-9678-4611-AE49-25FE7CAE8B35}"/>
-                </a:ext>
-              </a:extLst>
-            </p:cNvPr>
+            <p:cNvPr id="5" name="Line 13"/>
+            <p:cNvSpPr>
+              <a:spLocks noChangeShapeType="1"/>
+            </p:cNvSpPr>
+            <p:nvPr/>
+          </p:nvSpPr>
+          <p:spPr bwMode="auto">
+            <a:xfrm>
+              <a:off x="728768" y="1440950"/>
+              <a:ext cx="0" cy="3904336"/>
+            </a:xfrm>
+            <a:prstGeom prst="line">
+              <a:avLst/>
+            </a:prstGeom>
+            <a:ln>
+              <a:solidFill>
+                <a:schemeClr val="accent2">
+                  <a:lumMod val="60000"/>
+                  <a:lumOff val="40000"/>
+                </a:schemeClr>
+              </a:solidFill>
+              <a:prstDash val="sysDash"/>
+              <a:headEnd/>
+              <a:tailEnd/>
+            </a:ln>
+          </p:spPr>
+          <p:style>
+            <a:lnRef idx="2">
+              <a:schemeClr val="accent4"/>
+            </a:lnRef>
+            <a:fillRef idx="0">
+              <a:schemeClr val="accent4"/>
+            </a:fillRef>
+            <a:effectRef idx="1">
+              <a:schemeClr val="accent4"/>
+            </a:effectRef>
+            <a:fontRef idx="minor">
+              <a:schemeClr val="tx1"/>
+            </a:fontRef>
+          </p:style>
+          <p:txBody>
+            <a:bodyPr/>
+            <a:lstStyle/>
+            <a:p>
+              <a:pPr defTabSz="872733"/>
+              <a:endParaRPr lang="en-US" sz="1500">
+                <a:solidFill>
+                  <a:prstClr val="black"/>
+                </a:solidFill>
+              </a:endParaRPr>
+            </a:p>
+          </p:txBody>
+        </p:sp>
+        <p:sp>
+          <p:nvSpPr>
+            <p:cNvPr id="18" name="Text Box 11"/>
             <p:cNvSpPr txBox="1">
               <a:spLocks noChangeArrowheads="1"/>
             </p:cNvSpPr>
@@ -3989,45 +4038,33 @@
           </p:nvSpPr>
           <p:spPr bwMode="auto">
             <a:xfrm>
-              <a:off x="117858" y="798625"/>
-              <a:ext cx="1295400" cy="600164"/>
+              <a:off x="5065650" y="2812540"/>
+              <a:ext cx="1596653" cy="600164"/>
             </a:xfrm>
             <a:prstGeom prst="rect">
               <a:avLst/>
             </a:prstGeom>
-            <a:solidFill>
-              <a:schemeClr val="accent2">
-                <a:lumMod val="40000"/>
-                <a:lumOff val="60000"/>
-              </a:schemeClr>
-            </a:solidFill>
             <a:ln w="19050">
-              <a:solidFill>
-                <a:schemeClr val="accent2">
-                  <a:lumMod val="60000"/>
-                  <a:lumOff val="40000"/>
-                </a:schemeClr>
-              </a:solidFill>
               <a:headEnd/>
               <a:tailEnd/>
             </a:ln>
           </p:spPr>
           <p:style>
             <a:lnRef idx="1">
-              <a:schemeClr val="accent4"/>
+              <a:schemeClr val="accent3"/>
             </a:lnRef>
             <a:fillRef idx="2">
-              <a:schemeClr val="accent4"/>
+              <a:schemeClr val="accent3"/>
             </a:fillRef>
             <a:effectRef idx="1">
-              <a:schemeClr val="accent4"/>
+              <a:schemeClr val="accent3"/>
             </a:effectRef>
             <a:fontRef idx="minor">
               <a:schemeClr val="dk1"/>
             </a:fontRef>
           </p:style>
           <p:txBody>
-            <a:bodyPr tIns="182880" bIns="182880">
+            <a:bodyPr wrap="square" tIns="182880" bIns="182880">
               <a:spAutoFit/>
             </a:bodyPr>
             <a:lstStyle/>
@@ -4045,1023 +4082,977 @@
                     <a:prstClr val="black"/>
                   </a:solidFill>
                 </a:rPr>
-                <a:t>:Duke</a:t>
+                <a:t>:</a:t>
+              </a:r>
+              <a:r>
+                <a:rPr lang="en-US" sz="1500" dirty="0" err="1">
+                  <a:solidFill>
+                    <a:prstClr val="black"/>
+                  </a:solidFill>
+                </a:rPr>
+                <a:t>ExitCommand</a:t>
+              </a:r>
+              <a:endParaRPr lang="en-US" sz="1500" dirty="0">
+                <a:solidFill>
+                  <a:prstClr val="black"/>
+                </a:solidFill>
+              </a:endParaRPr>
+            </a:p>
+          </p:txBody>
+        </p:sp>
+        <p:sp>
+          <p:nvSpPr>
+            <p:cNvPr id="19" name="Line 13"/>
+            <p:cNvSpPr>
+              <a:spLocks noChangeShapeType="1"/>
+            </p:cNvSpPr>
+            <p:nvPr/>
+          </p:nvSpPr>
+          <p:spPr bwMode="auto">
+            <a:xfrm flipH="1">
+              <a:off x="3018095" y="2137789"/>
+              <a:ext cx="0" cy="1590924"/>
+            </a:xfrm>
+            <a:prstGeom prst="line">
+              <a:avLst/>
+            </a:prstGeom>
+            <a:ln>
+              <a:solidFill>
+                <a:schemeClr val="accent4">
+                  <a:lumMod val="75000"/>
+                </a:schemeClr>
+              </a:solidFill>
+              <a:prstDash val="sysDash"/>
+              <a:headEnd/>
+              <a:tailEnd/>
+            </a:ln>
+          </p:spPr>
+          <p:style>
+            <a:lnRef idx="2">
+              <a:schemeClr val="accent4"/>
+            </a:lnRef>
+            <a:fillRef idx="0">
+              <a:schemeClr val="accent4"/>
+            </a:fillRef>
+            <a:effectRef idx="1">
+              <a:schemeClr val="accent4"/>
+            </a:effectRef>
+            <a:fontRef idx="minor">
+              <a:schemeClr val="tx1"/>
+            </a:fontRef>
+          </p:style>
+          <p:txBody>
+            <a:bodyPr/>
+            <a:lstStyle/>
+            <a:p>
+              <a:pPr defTabSz="872733"/>
+              <a:endParaRPr lang="en-US" sz="1500" dirty="0">
+                <a:solidFill>
+                  <a:prstClr val="black"/>
+                </a:solidFill>
+              </a:endParaRPr>
+            </a:p>
+          </p:txBody>
+        </p:sp>
+        <p:sp>
+          <p:nvSpPr>
+            <p:cNvPr id="20" name="Line 15"/>
+            <p:cNvSpPr>
+              <a:spLocks noChangeShapeType="1"/>
+            </p:cNvSpPr>
+            <p:nvPr/>
+          </p:nvSpPr>
+          <p:spPr bwMode="auto">
+            <a:xfrm flipV="1">
+              <a:off x="748997" y="1894307"/>
+              <a:ext cx="1774324" cy="0"/>
+            </a:xfrm>
+            <a:prstGeom prst="line">
+              <a:avLst/>
+            </a:prstGeom>
+            <a:noFill/>
+            <a:ln w="19050">
+              <a:solidFill>
+                <a:srgbClr val="7030A0"/>
+              </a:solidFill>
+              <a:round/>
+              <a:headEnd/>
+              <a:tailEnd type="triangle" w="lg" len="lg"/>
+            </a:ln>
+          </p:spPr>
+          <p:txBody>
+            <a:bodyPr/>
+            <a:lstStyle/>
+            <a:p>
+              <a:pPr defTabSz="872733"/>
+              <a:endParaRPr lang="en-US" sz="1500" dirty="0">
+                <a:solidFill>
+                  <a:prstClr val="black"/>
+                </a:solidFill>
+              </a:endParaRPr>
+            </a:p>
+          </p:txBody>
+        </p:sp>
+        <p:sp>
+          <p:nvSpPr>
+            <p:cNvPr id="24" name="Line 15"/>
+            <p:cNvSpPr>
+              <a:spLocks noChangeShapeType="1"/>
+            </p:cNvSpPr>
+            <p:nvPr/>
+          </p:nvSpPr>
+          <p:spPr bwMode="auto">
+            <a:xfrm>
+              <a:off x="3006451" y="3090494"/>
+              <a:ext cx="2059199" cy="0"/>
+            </a:xfrm>
+            <a:prstGeom prst="line">
+              <a:avLst/>
+            </a:prstGeom>
+            <a:noFill/>
+            <a:ln w="19050">
+              <a:solidFill>
+                <a:schemeClr val="accent3">
+                  <a:lumMod val="75000"/>
+                </a:schemeClr>
+              </a:solidFill>
+              <a:round/>
+              <a:headEnd/>
+              <a:tailEnd type="triangle" w="lg" len="lg"/>
+            </a:ln>
+          </p:spPr>
+          <p:txBody>
+            <a:bodyPr/>
+            <a:lstStyle/>
+            <a:p>
+              <a:pPr defTabSz="872733"/>
+              <a:endParaRPr lang="en-US" sz="1500">
+                <a:solidFill>
+                  <a:prstClr val="black"/>
+                </a:solidFill>
+              </a:endParaRPr>
+            </a:p>
+          </p:txBody>
+        </p:sp>
+        <p:sp>
+          <p:nvSpPr>
+            <p:cNvPr id="25" name="Text Box 25"/>
+            <p:cNvSpPr txBox="1">
+              <a:spLocks noChangeArrowheads="1"/>
+            </p:cNvSpPr>
+            <p:nvPr/>
+          </p:nvSpPr>
+          <p:spPr bwMode="auto">
+            <a:xfrm>
+              <a:off x="808004" y="2320801"/>
+              <a:ext cx="2500554" cy="323165"/>
+            </a:xfrm>
+            <a:prstGeom prst="rect">
+              <a:avLst/>
+            </a:prstGeom>
+            <a:noFill/>
+            <a:ln w="12700" algn="ctr">
+              <a:noFill/>
+              <a:miter lim="800000"/>
+              <a:headEnd/>
+              <a:tailEnd/>
+            </a:ln>
+          </p:spPr>
+          <p:txBody>
+            <a:bodyPr wrap="square">
+              <a:spAutoFit/>
+            </a:bodyPr>
+            <a:lstStyle/>
+            <a:p>
+              <a:pPr defTabSz="872733">
+                <a:spcBef>
+                  <a:spcPct val="50000"/>
+                </a:spcBef>
+                <a:buFont typeface="Wingdings" pitchFamily="2" charset="2"/>
+                <a:buNone/>
+              </a:pPr>
+              <a:r>
+                <a:rPr lang="en-US" sz="1500" i="1" dirty="0" err="1"/>
+                <a:t>parseCommand</a:t>
+              </a:r>
+              <a:r>
+                <a:rPr lang="en-US" sz="1500" i="1" dirty="0"/>
+                <a:t>(</a:t>
+              </a:r>
+              <a:r>
+                <a:rPr lang="en-US" sz="1500" i="1" dirty="0" err="1"/>
+                <a:t>userInput</a:t>
+              </a:r>
+              <a:r>
+                <a:rPr lang="en-US" sz="1500" i="1" dirty="0"/>
+                <a:t>)</a:t>
               </a:r>
             </a:p>
           </p:txBody>
         </p:sp>
-        <p:grpSp>
-          <p:nvGrpSpPr>
-            <p:cNvPr id="2" name="Group 1">
+        <p:sp>
+          <p:nvSpPr>
+            <p:cNvPr id="29" name="Text Box 25"/>
+            <p:cNvSpPr txBox="1">
+              <a:spLocks noChangeArrowheads="1"/>
+            </p:cNvSpPr>
+            <p:nvPr/>
+          </p:nvSpPr>
+          <p:spPr bwMode="auto">
+            <a:xfrm>
+              <a:off x="965943" y="3019896"/>
+              <a:ext cx="1710047" cy="553998"/>
+            </a:xfrm>
+            <a:prstGeom prst="rect">
+              <a:avLst/>
+            </a:prstGeom>
+            <a:noFill/>
+            <a:ln w="12700" algn="ctr">
+              <a:noFill/>
+              <a:miter lim="800000"/>
+              <a:headEnd/>
+              <a:tailEnd/>
+            </a:ln>
+          </p:spPr>
+          <p:txBody>
+            <a:bodyPr wrap="square">
+              <a:spAutoFit/>
+            </a:bodyPr>
+            <a:lstStyle/>
+            <a:p>
+              <a:pPr defTabSz="872733">
+                <a:spcBef>
+                  <a:spcPct val="50000"/>
+                </a:spcBef>
+                <a:buFont typeface="Wingdings" pitchFamily="2" charset="2"/>
+                <a:buNone/>
+              </a:pPr>
+              <a:r>
+                <a:rPr lang="en-US" sz="1500" i="1" dirty="0"/>
+                <a:t>return reference to </a:t>
+              </a:r>
+              <a:r>
+                <a:rPr lang="en-US" sz="1500" i="1" dirty="0" err="1"/>
+                <a:t>ExitCommand</a:t>
+              </a:r>
+              <a:endParaRPr lang="en-US" sz="1500" i="1" dirty="0"/>
+            </a:p>
+          </p:txBody>
+        </p:sp>
+        <p:sp>
+          <p:nvSpPr>
+            <p:cNvPr id="33" name="Line 13"/>
+            <p:cNvSpPr>
+              <a:spLocks noChangeShapeType="1"/>
+            </p:cNvSpPr>
+            <p:nvPr/>
+          </p:nvSpPr>
+          <p:spPr bwMode="auto">
+            <a:xfrm flipH="1">
+              <a:off x="5843365" y="3396473"/>
+              <a:ext cx="0" cy="1893221"/>
+            </a:xfrm>
+            <a:prstGeom prst="line">
+              <a:avLst/>
+            </a:prstGeom>
+            <a:ln>
+              <a:solidFill>
+                <a:schemeClr val="accent3">
+                  <a:lumMod val="75000"/>
+                </a:schemeClr>
+              </a:solidFill>
+              <a:prstDash val="sysDash"/>
+              <a:headEnd/>
+              <a:tailEnd/>
+            </a:ln>
+          </p:spPr>
+          <p:style>
+            <a:lnRef idx="2">
+              <a:schemeClr val="accent4"/>
+            </a:lnRef>
+            <a:fillRef idx="0">
+              <a:schemeClr val="accent4"/>
+            </a:fillRef>
+            <a:effectRef idx="1">
+              <a:schemeClr val="accent4"/>
+            </a:effectRef>
+            <a:fontRef idx="minor">
+              <a:schemeClr val="tx1"/>
+            </a:fontRef>
+          </p:style>
+          <p:txBody>
+            <a:bodyPr/>
+            <a:lstStyle/>
+            <a:p>
+              <a:pPr defTabSz="872733"/>
+              <a:endParaRPr lang="en-US" sz="1500">
+                <a:solidFill>
+                  <a:prstClr val="black"/>
+                </a:solidFill>
+              </a:endParaRPr>
+            </a:p>
+          </p:txBody>
+        </p:sp>
+        <p:sp>
+          <p:nvSpPr>
+            <p:cNvPr id="34" name="Line 15"/>
+            <p:cNvSpPr>
+              <a:spLocks noChangeShapeType="1"/>
+            </p:cNvSpPr>
+            <p:nvPr/>
+          </p:nvSpPr>
+          <p:spPr bwMode="auto">
+            <a:xfrm>
+              <a:off x="728768" y="2696242"/>
+              <a:ext cx="2287801" cy="0"/>
+            </a:xfrm>
+            <a:prstGeom prst="line">
+              <a:avLst/>
+            </a:prstGeom>
+            <a:noFill/>
+            <a:ln w="19050">
+              <a:solidFill>
+                <a:srgbClr val="7030A0"/>
+              </a:solidFill>
+              <a:round/>
+              <a:headEnd/>
+              <a:tailEnd type="triangle" w="lg" len="lg"/>
+            </a:ln>
+          </p:spPr>
+          <p:txBody>
+            <a:bodyPr/>
+            <a:lstStyle/>
+            <a:p>
+              <a:pPr defTabSz="872733"/>
+              <a:endParaRPr lang="en-US" sz="1500">
+                <a:solidFill>
+                  <a:prstClr val="black"/>
+                </a:solidFill>
+              </a:endParaRPr>
+            </a:p>
+          </p:txBody>
+        </p:sp>
+        <p:sp>
+          <p:nvSpPr>
+            <p:cNvPr id="38" name="Text Box 25"/>
+            <p:cNvSpPr txBox="1">
+              <a:spLocks noChangeArrowheads="1"/>
+            </p:cNvSpPr>
+            <p:nvPr/>
+          </p:nvSpPr>
+          <p:spPr bwMode="auto">
+            <a:xfrm>
+              <a:off x="1211846" y="1581835"/>
+              <a:ext cx="1182981" cy="323165"/>
+            </a:xfrm>
+            <a:prstGeom prst="rect">
+              <a:avLst/>
+            </a:prstGeom>
+            <a:noFill/>
+            <a:ln w="12700" algn="ctr">
+              <a:noFill/>
+              <a:miter lim="800000"/>
+              <a:headEnd/>
+              <a:tailEnd/>
+            </a:ln>
+          </p:spPr>
+          <p:txBody>
+            <a:bodyPr wrap="square">
+              <a:spAutoFit/>
+            </a:bodyPr>
+            <a:lstStyle/>
+            <a:p>
+              <a:pPr defTabSz="872733">
+                <a:spcBef>
+                  <a:spcPct val="50000"/>
+                </a:spcBef>
+                <a:buFont typeface="Wingdings" pitchFamily="2" charset="2"/>
+                <a:buNone/>
+              </a:pPr>
+              <a:r>
+                <a:rPr lang="en-US" sz="1500" i="1" dirty="0"/>
+                <a:t>Parser()</a:t>
+              </a:r>
+            </a:p>
+          </p:txBody>
+        </p:sp>
+        <p:sp>
+          <p:nvSpPr>
+            <p:cNvPr id="45" name="Line 15">
               <a:extLst>
                 <a:ext uri="{FF2B5EF4-FFF2-40B4-BE49-F238E27FC236}">
-                  <a16:creationId xmlns:a16="http://schemas.microsoft.com/office/drawing/2014/main" id="{BD52646B-7910-4CF7-A703-93E8C002A835}"/>
+                  <a16:creationId xmlns:a16="http://schemas.microsoft.com/office/drawing/2014/main" id="{0EB24DA8-2498-4853-AED4-3458A81C456A}"/>
                 </a:ext>
               </a:extLst>
             </p:cNvPr>
-            <p:cNvGrpSpPr/>
+            <p:cNvSpPr>
+              <a:spLocks noChangeShapeType="1"/>
+            </p:cNvSpPr>
             <p:nvPr/>
-          </p:nvGrpSpPr>
-          <p:grpSpPr>
+          </p:nvSpPr>
+          <p:spPr bwMode="auto">
             <a:xfrm>
-              <a:off x="728768" y="1440950"/>
-              <a:ext cx="5933535" cy="4036968"/>
-              <a:chOff x="728768" y="1440950"/>
-              <a:chExt cx="5933535" cy="4036968"/>
+              <a:off x="728768" y="4066310"/>
+              <a:ext cx="5114597" cy="0"/>
             </a:xfrm>
-          </p:grpSpPr>
-          <p:sp>
-            <p:nvSpPr>
-              <p:cNvPr id="5" name="Line 13"/>
-              <p:cNvSpPr>
-                <a:spLocks noChangeShapeType="1"/>
-              </p:cNvSpPr>
-              <p:nvPr/>
-            </p:nvSpPr>
-            <p:spPr bwMode="auto">
-              <a:xfrm>
-                <a:off x="728768" y="1440950"/>
-                <a:ext cx="0" cy="3904336"/>
-              </a:xfrm>
-              <a:prstGeom prst="line">
-                <a:avLst/>
-              </a:prstGeom>
-              <a:ln>
+            <a:prstGeom prst="line">
+              <a:avLst/>
+            </a:prstGeom>
+            <a:noFill/>
+            <a:ln w="19050">
+              <a:solidFill>
+                <a:schemeClr val="accent3">
+                  <a:lumMod val="75000"/>
+                </a:schemeClr>
+              </a:solidFill>
+              <a:round/>
+              <a:headEnd/>
+              <a:tailEnd type="triangle" w="lg" len="lg"/>
+            </a:ln>
+          </p:spPr>
+          <p:txBody>
+            <a:bodyPr/>
+            <a:lstStyle/>
+            <a:p>
+              <a:pPr defTabSz="872733"/>
+              <a:endParaRPr lang="en-US" sz="1500">
                 <a:solidFill>
-                  <a:schemeClr val="accent2">
-                    <a:lumMod val="60000"/>
-                    <a:lumOff val="40000"/>
-                  </a:schemeClr>
+                  <a:prstClr val="black"/>
                 </a:solidFill>
-                <a:prstDash val="sysDash"/>
-                <a:headEnd/>
-                <a:tailEnd/>
-              </a:ln>
-            </p:spPr>
-            <p:style>
-              <a:lnRef idx="2">
+              </a:endParaRPr>
+            </a:p>
+          </p:txBody>
+        </p:sp>
+        <p:sp>
+          <p:nvSpPr>
+            <p:cNvPr id="47" name="Text Box 25">
+              <a:extLst>
+                <a:ext uri="{FF2B5EF4-FFF2-40B4-BE49-F238E27FC236}">
+                  <a16:creationId xmlns:a16="http://schemas.microsoft.com/office/drawing/2014/main" id="{342B431E-151F-4A55-A1AE-57F6FE56D1EF}"/>
+                </a:ext>
+              </a:extLst>
+            </p:cNvPr>
+            <p:cNvSpPr txBox="1">
+              <a:spLocks noChangeArrowheads="1"/>
+            </p:cNvSpPr>
+            <p:nvPr/>
+          </p:nvSpPr>
+          <p:spPr bwMode="auto">
+            <a:xfrm>
+              <a:off x="3174259" y="2826789"/>
+              <a:ext cx="1404873" cy="323165"/>
+            </a:xfrm>
+            <a:prstGeom prst="rect">
+              <a:avLst/>
+            </a:prstGeom>
+            <a:noFill/>
+            <a:ln w="12700" algn="ctr">
+              <a:noFill/>
+              <a:miter lim="800000"/>
+              <a:headEnd/>
+              <a:tailEnd/>
+            </a:ln>
+          </p:spPr>
+          <p:txBody>
+            <a:bodyPr wrap="square">
+              <a:spAutoFit/>
+            </a:bodyPr>
+            <a:lstStyle/>
+            <a:p>
+              <a:pPr defTabSz="872733">
+                <a:spcBef>
+                  <a:spcPct val="50000"/>
+                </a:spcBef>
+                <a:buFont typeface="Wingdings" pitchFamily="2" charset="2"/>
+                <a:buNone/>
+              </a:pPr>
+              <a:r>
+                <a:rPr lang="en-US" sz="1500" i="1" dirty="0" err="1"/>
+                <a:t>ExitCommand</a:t>
+              </a:r>
+              <a:r>
+                <a:rPr lang="en-US" sz="1500" i="1" dirty="0"/>
+                <a:t>()</a:t>
+              </a:r>
+            </a:p>
+          </p:txBody>
+        </p:sp>
+        <p:sp>
+          <p:nvSpPr>
+            <p:cNvPr id="48" name="Line 16">
+              <a:extLst>
+                <a:ext uri="{FF2B5EF4-FFF2-40B4-BE49-F238E27FC236}">
+                  <a16:creationId xmlns:a16="http://schemas.microsoft.com/office/drawing/2014/main" id="{5278BFBC-6FA4-432C-994E-8DD2A55ED046}"/>
+                </a:ext>
+              </a:extLst>
+            </p:cNvPr>
+            <p:cNvSpPr>
+              <a:spLocks noChangeShapeType="1"/>
+            </p:cNvSpPr>
+            <p:nvPr/>
+          </p:nvSpPr>
+          <p:spPr bwMode="auto">
+            <a:xfrm flipH="1" flipV="1">
+              <a:off x="748998" y="3568305"/>
+              <a:ext cx="2257453" cy="0"/>
+            </a:xfrm>
+            <a:prstGeom prst="line">
+              <a:avLst/>
+            </a:prstGeom>
+            <a:noFill/>
+            <a:ln w="19050">
+              <a:solidFill>
                 <a:schemeClr val="accent4"/>
-              </a:lnRef>
-              <a:fillRef idx="0">
-                <a:schemeClr val="accent4"/>
-              </a:fillRef>
-              <a:effectRef idx="1">
-                <a:schemeClr val="accent4"/>
-              </a:effectRef>
-              <a:fontRef idx="minor">
-                <a:schemeClr val="tx1"/>
-              </a:fontRef>
-            </p:style>
-            <p:txBody>
-              <a:bodyPr/>
-              <a:lstStyle/>
-              <a:p>
-                <a:pPr defTabSz="872733"/>
-                <a:endParaRPr lang="en-US" sz="1500">
-                  <a:solidFill>
-                    <a:prstClr val="black"/>
-                  </a:solidFill>
-                </a:endParaRPr>
-              </a:p>
-            </p:txBody>
-          </p:sp>
-          <p:sp>
-            <p:nvSpPr>
-              <p:cNvPr id="6" name="Text Box 11"/>
-              <p:cNvSpPr txBox="1">
-                <a:spLocks noChangeArrowheads="1"/>
-              </p:cNvSpPr>
-              <p:nvPr/>
-            </p:nvSpPr>
-            <p:spPr bwMode="auto">
-              <a:xfrm>
-                <a:off x="2571683" y="1515750"/>
-                <a:ext cx="967275" cy="600164"/>
-              </a:xfrm>
-              <a:prstGeom prst="rect">
-                <a:avLst/>
-              </a:prstGeom>
+              </a:solidFill>
+              <a:prstDash val="sysDash"/>
+              <a:round/>
+              <a:headEnd/>
+              <a:tailEnd type="triangle" w="lg" len="lg"/>
+            </a:ln>
+          </p:spPr>
+          <p:txBody>
+            <a:bodyPr/>
+            <a:lstStyle/>
+            <a:p>
+              <a:pPr defTabSz="872733"/>
+              <a:endParaRPr lang="en-US" sz="1500">
+                <a:solidFill>
+                  <a:prstClr val="black"/>
+                </a:solidFill>
+              </a:endParaRPr>
+            </a:p>
+          </p:txBody>
+        </p:sp>
+        <p:cxnSp>
+          <p:nvCxnSpPr>
+            <p:cNvPr id="49" name="Straight Connector 48">
+              <a:extLst>
+                <a:ext uri="{FF2B5EF4-FFF2-40B4-BE49-F238E27FC236}">
+                  <a16:creationId xmlns:a16="http://schemas.microsoft.com/office/drawing/2014/main" id="{054EC965-613F-450A-BDA7-4AEF688EE06E}"/>
+                </a:ext>
+              </a:extLst>
+            </p:cNvPr>
+            <p:cNvCxnSpPr/>
+            <p:nvPr/>
+          </p:nvCxnSpPr>
+          <p:spPr>
+            <a:xfrm rot="16200000" flipV="1">
+              <a:off x="2879243" y="3679211"/>
+              <a:ext cx="284430" cy="267655"/>
+            </a:xfrm>
+            <a:prstGeom prst="line">
+              <a:avLst/>
+            </a:prstGeom>
+            <a:ln w="19050">
               <a:solidFill>
                 <a:schemeClr val="accent4">
-                  <a:lumMod val="40000"/>
-                  <a:lumOff val="60000"/>
+                  <a:lumMod val="75000"/>
                 </a:schemeClr>
               </a:solidFill>
-              <a:ln w="19050">
+            </a:ln>
+          </p:spPr>
+          <p:style>
+            <a:lnRef idx="1">
+              <a:schemeClr val="accent1"/>
+            </a:lnRef>
+            <a:fillRef idx="0">
+              <a:schemeClr val="accent1"/>
+            </a:fillRef>
+            <a:effectRef idx="0">
+              <a:schemeClr val="accent1"/>
+            </a:effectRef>
+            <a:fontRef idx="minor">
+              <a:schemeClr val="tx1"/>
+            </a:fontRef>
+          </p:style>
+        </p:cxnSp>
+        <p:cxnSp>
+          <p:nvCxnSpPr>
+            <p:cNvPr id="50" name="Straight Connector 49">
+              <a:extLst>
+                <a:ext uri="{FF2B5EF4-FFF2-40B4-BE49-F238E27FC236}">
+                  <a16:creationId xmlns:a16="http://schemas.microsoft.com/office/drawing/2014/main" id="{BCC52252-11B3-4A56-A114-AE5F1D9A8E9B}"/>
+                </a:ext>
+              </a:extLst>
+            </p:cNvPr>
+            <p:cNvCxnSpPr/>
+            <p:nvPr/>
+          </p:nvCxnSpPr>
+          <p:spPr>
+            <a:xfrm rot="5400000">
+              <a:off x="2872653" y="3683705"/>
+              <a:ext cx="288175" cy="266007"/>
+            </a:xfrm>
+            <a:prstGeom prst="line">
+              <a:avLst/>
+            </a:prstGeom>
+            <a:ln w="19050">
+              <a:solidFill>
+                <a:schemeClr val="accent4">
+                  <a:lumMod val="75000"/>
+                </a:schemeClr>
+              </a:solidFill>
+            </a:ln>
+          </p:spPr>
+          <p:style>
+            <a:lnRef idx="1">
+              <a:schemeClr val="accent1"/>
+            </a:lnRef>
+            <a:fillRef idx="0">
+              <a:schemeClr val="accent1"/>
+            </a:fillRef>
+            <a:effectRef idx="0">
+              <a:schemeClr val="accent1"/>
+            </a:effectRef>
+            <a:fontRef idx="minor">
+              <a:schemeClr val="tx1"/>
+            </a:fontRef>
+          </p:style>
+        </p:cxnSp>
+        <p:sp>
+          <p:nvSpPr>
+            <p:cNvPr id="51" name="Text Box 25">
+              <a:extLst>
+                <a:ext uri="{FF2B5EF4-FFF2-40B4-BE49-F238E27FC236}">
+                  <a16:creationId xmlns:a16="http://schemas.microsoft.com/office/drawing/2014/main" id="{34020A70-184B-4A57-816D-CCE686742C10}"/>
+                </a:ext>
+              </a:extLst>
+            </p:cNvPr>
+            <p:cNvSpPr txBox="1">
+              <a:spLocks noChangeArrowheads="1"/>
+            </p:cNvSpPr>
+            <p:nvPr/>
+          </p:nvSpPr>
+          <p:spPr bwMode="auto">
+            <a:xfrm>
+              <a:off x="3799306" y="3733800"/>
+              <a:ext cx="886908" cy="323165"/>
+            </a:xfrm>
+            <a:prstGeom prst="rect">
+              <a:avLst/>
+            </a:prstGeom>
+            <a:noFill/>
+            <a:ln w="12700" algn="ctr">
+              <a:noFill/>
+              <a:miter lim="800000"/>
+              <a:headEnd/>
+              <a:tailEnd/>
+            </a:ln>
+          </p:spPr>
+          <p:txBody>
+            <a:bodyPr wrap="square">
+              <a:spAutoFit/>
+            </a:bodyPr>
+            <a:lstStyle/>
+            <a:p>
+              <a:pPr defTabSz="872733">
+                <a:spcBef>
+                  <a:spcPct val="50000"/>
+                </a:spcBef>
+                <a:buFont typeface="Wingdings" pitchFamily="2" charset="2"/>
+                <a:buNone/>
+              </a:pPr>
+              <a:r>
+                <a:rPr lang="en-US" sz="1500" i="1" dirty="0"/>
+                <a:t>execute()</a:t>
+              </a:r>
+            </a:p>
+          </p:txBody>
+        </p:sp>
+        <p:cxnSp>
+          <p:nvCxnSpPr>
+            <p:cNvPr id="54" name="Straight Connector 53">
+              <a:extLst>
+                <a:ext uri="{FF2B5EF4-FFF2-40B4-BE49-F238E27FC236}">
+                  <a16:creationId xmlns:a16="http://schemas.microsoft.com/office/drawing/2014/main" id="{BB6AEF2A-70C0-4C86-ACC0-ED4823D6AC46}"/>
+                </a:ext>
+              </a:extLst>
+            </p:cNvPr>
+            <p:cNvCxnSpPr/>
+            <p:nvPr/>
+          </p:nvCxnSpPr>
+          <p:spPr>
+            <a:xfrm rot="16200000" flipV="1">
+              <a:off x="5698544" y="5196333"/>
+              <a:ext cx="284430" cy="267655"/>
+            </a:xfrm>
+            <a:prstGeom prst="line">
+              <a:avLst/>
+            </a:prstGeom>
+            <a:ln w="19050">
+              <a:solidFill>
+                <a:schemeClr val="accent3">
+                  <a:lumMod val="75000"/>
+                </a:schemeClr>
+              </a:solidFill>
+            </a:ln>
+          </p:spPr>
+          <p:style>
+            <a:lnRef idx="1">
+              <a:schemeClr val="accent1"/>
+            </a:lnRef>
+            <a:fillRef idx="0">
+              <a:schemeClr val="accent1"/>
+            </a:fillRef>
+            <a:effectRef idx="0">
+              <a:schemeClr val="accent1"/>
+            </a:effectRef>
+            <a:fontRef idx="minor">
+              <a:schemeClr val="tx1"/>
+            </a:fontRef>
+          </p:style>
+        </p:cxnSp>
+        <p:cxnSp>
+          <p:nvCxnSpPr>
+            <p:cNvPr id="55" name="Straight Connector 54">
+              <a:extLst>
+                <a:ext uri="{FF2B5EF4-FFF2-40B4-BE49-F238E27FC236}">
+                  <a16:creationId xmlns:a16="http://schemas.microsoft.com/office/drawing/2014/main" id="{9664B067-90B9-447F-947E-62F78A316229}"/>
+                </a:ext>
+              </a:extLst>
+            </p:cNvPr>
+            <p:cNvCxnSpPr/>
+            <p:nvPr/>
+          </p:nvCxnSpPr>
+          <p:spPr>
+            <a:xfrm rot="5400000">
+              <a:off x="5691954" y="5200827"/>
+              <a:ext cx="288175" cy="266007"/>
+            </a:xfrm>
+            <a:prstGeom prst="line">
+              <a:avLst/>
+            </a:prstGeom>
+            <a:ln w="19050">
+              <a:solidFill>
+                <a:schemeClr val="accent3">
+                  <a:lumMod val="75000"/>
+                </a:schemeClr>
+              </a:solidFill>
+            </a:ln>
+          </p:spPr>
+          <p:style>
+            <a:lnRef idx="1">
+              <a:schemeClr val="accent1"/>
+            </a:lnRef>
+            <a:fillRef idx="0">
+              <a:schemeClr val="accent1"/>
+            </a:fillRef>
+            <a:effectRef idx="0">
+              <a:schemeClr val="accent1"/>
+            </a:effectRef>
+            <a:fontRef idx="minor">
+              <a:schemeClr val="tx1"/>
+            </a:fontRef>
+          </p:style>
+        </p:cxnSp>
+        <p:sp>
+          <p:nvSpPr>
+            <p:cNvPr id="30" name="Line 16">
+              <a:extLst>
+                <a:ext uri="{FF2B5EF4-FFF2-40B4-BE49-F238E27FC236}">
+                  <a16:creationId xmlns:a16="http://schemas.microsoft.com/office/drawing/2014/main" id="{FDA32707-D20E-473E-ACEB-0E87B57EE3F4}"/>
+                </a:ext>
+              </a:extLst>
+            </p:cNvPr>
+            <p:cNvSpPr>
+              <a:spLocks noChangeShapeType="1"/>
+            </p:cNvSpPr>
+            <p:nvPr/>
+          </p:nvSpPr>
+          <p:spPr bwMode="auto">
+            <a:xfrm flipH="1">
+              <a:off x="748997" y="4943959"/>
+              <a:ext cx="5084251" cy="1"/>
+            </a:xfrm>
+            <a:prstGeom prst="line">
+              <a:avLst/>
+            </a:prstGeom>
+            <a:noFill/>
+            <a:ln w="19050">
+              <a:solidFill>
+                <a:schemeClr val="accent3">
+                  <a:lumMod val="75000"/>
+                </a:schemeClr>
+              </a:solidFill>
+              <a:prstDash val="sysDash"/>
+              <a:round/>
+              <a:headEnd/>
+              <a:tailEnd type="triangle" w="lg" len="lg"/>
+            </a:ln>
+          </p:spPr>
+          <p:txBody>
+            <a:bodyPr/>
+            <a:lstStyle/>
+            <a:p>
+              <a:pPr defTabSz="872733"/>
+              <a:endParaRPr lang="en-US" sz="1500">
                 <a:solidFill>
-                  <a:schemeClr val="accent4">
-                    <a:lumMod val="75000"/>
-                  </a:schemeClr>
+                  <a:prstClr val="black"/>
                 </a:solidFill>
-                <a:headEnd/>
-                <a:tailEnd/>
-              </a:ln>
-            </p:spPr>
-            <p:style>
-              <a:lnRef idx="1">
-                <a:schemeClr val="accent4"/>
-              </a:lnRef>
-              <a:fillRef idx="2">
-                <a:schemeClr val="accent4"/>
-              </a:fillRef>
-              <a:effectRef idx="1">
-                <a:schemeClr val="accent4"/>
-              </a:effectRef>
-              <a:fontRef idx="minor">
-                <a:schemeClr val="dk1"/>
-              </a:fontRef>
-            </p:style>
-            <p:txBody>
-              <a:bodyPr wrap="square" tIns="182880" bIns="182880">
-                <a:spAutoFit/>
-              </a:bodyPr>
-              <a:lstStyle/>
-              <a:p>
-                <a:pPr algn="ctr" defTabSz="872733">
-                  <a:spcBef>
-                    <a:spcPct val="50000"/>
-                  </a:spcBef>
-                  <a:buFont typeface="Wingdings" pitchFamily="2" charset="2"/>
-                  <a:buNone/>
-                </a:pPr>
-                <a:r>
-                  <a:rPr lang="en-US" sz="1500" dirty="0">
-                    <a:solidFill>
-                      <a:prstClr val="black"/>
-                    </a:solidFill>
-                  </a:rPr>
-                  <a:t>:Parser</a:t>
-                </a:r>
-              </a:p>
-            </p:txBody>
-          </p:sp>
-          <p:sp>
-            <p:nvSpPr>
-              <p:cNvPr id="18" name="Text Box 11"/>
-              <p:cNvSpPr txBox="1">
-                <a:spLocks noChangeArrowheads="1"/>
-              </p:cNvSpPr>
-              <p:nvPr/>
-            </p:nvSpPr>
-            <p:spPr bwMode="auto">
-              <a:xfrm>
-                <a:off x="5065650" y="2812540"/>
-                <a:ext cx="1596653" cy="600164"/>
-              </a:xfrm>
-              <a:prstGeom prst="rect">
-                <a:avLst/>
-              </a:prstGeom>
-              <a:ln w="19050">
-                <a:headEnd/>
-                <a:tailEnd/>
-              </a:ln>
-            </p:spPr>
-            <p:style>
-              <a:lnRef idx="1">
-                <a:schemeClr val="accent3"/>
-              </a:lnRef>
-              <a:fillRef idx="2">
-                <a:schemeClr val="accent3"/>
-              </a:fillRef>
-              <a:effectRef idx="1">
-                <a:schemeClr val="accent3"/>
-              </a:effectRef>
-              <a:fontRef idx="minor">
-                <a:schemeClr val="dk1"/>
-              </a:fontRef>
-            </p:style>
-            <p:txBody>
-              <a:bodyPr wrap="square" tIns="182880" bIns="182880">
-                <a:spAutoFit/>
-              </a:bodyPr>
-              <a:lstStyle/>
-              <a:p>
-                <a:pPr algn="ctr" defTabSz="872733">
-                  <a:spcBef>
-                    <a:spcPct val="50000"/>
-                  </a:spcBef>
-                  <a:buFont typeface="Wingdings" pitchFamily="2" charset="2"/>
-                  <a:buNone/>
-                </a:pPr>
-                <a:r>
-                  <a:rPr lang="en-US" sz="1500" dirty="0">
-                    <a:solidFill>
-                      <a:prstClr val="black"/>
-                    </a:solidFill>
-                  </a:rPr>
-                  <a:t>:</a:t>
-                </a:r>
-                <a:r>
-                  <a:rPr lang="en-US" sz="1500" dirty="0" err="1">
-                    <a:solidFill>
-                      <a:prstClr val="black"/>
-                    </a:solidFill>
-                  </a:rPr>
-                  <a:t>ExitCommand</a:t>
-                </a:r>
-                <a:endParaRPr lang="en-US" sz="1500" dirty="0">
-                  <a:solidFill>
-                    <a:prstClr val="black"/>
-                  </a:solidFill>
-                </a:endParaRPr>
-              </a:p>
-            </p:txBody>
-          </p:sp>
-          <p:sp>
-            <p:nvSpPr>
-              <p:cNvPr id="19" name="Line 13"/>
-              <p:cNvSpPr>
-                <a:spLocks noChangeShapeType="1"/>
-              </p:cNvSpPr>
-              <p:nvPr/>
-            </p:nvSpPr>
-            <p:spPr bwMode="auto">
-              <a:xfrm flipH="1">
-                <a:off x="3018095" y="2137789"/>
-                <a:ext cx="0" cy="1590924"/>
-              </a:xfrm>
-              <a:prstGeom prst="line">
-                <a:avLst/>
-              </a:prstGeom>
-              <a:ln>
-                <a:solidFill>
-                  <a:schemeClr val="accent4">
-                    <a:lumMod val="75000"/>
-                  </a:schemeClr>
-                </a:solidFill>
-                <a:prstDash val="sysDash"/>
-                <a:headEnd/>
-                <a:tailEnd/>
-              </a:ln>
-            </p:spPr>
-            <p:style>
-              <a:lnRef idx="2">
-                <a:schemeClr val="accent4"/>
-              </a:lnRef>
-              <a:fillRef idx="0">
-                <a:schemeClr val="accent4"/>
-              </a:fillRef>
-              <a:effectRef idx="1">
-                <a:schemeClr val="accent4"/>
-              </a:effectRef>
-              <a:fontRef idx="minor">
-                <a:schemeClr val="tx1"/>
-              </a:fontRef>
-            </p:style>
-            <p:txBody>
-              <a:bodyPr/>
-              <a:lstStyle/>
-              <a:p>
-                <a:pPr defTabSz="872733"/>
-                <a:endParaRPr lang="en-US" sz="1500" dirty="0">
-                  <a:solidFill>
-                    <a:prstClr val="black"/>
-                  </a:solidFill>
-                </a:endParaRPr>
-              </a:p>
-            </p:txBody>
-          </p:sp>
-          <p:sp>
-            <p:nvSpPr>
-              <p:cNvPr id="20" name="Line 15"/>
-              <p:cNvSpPr>
-                <a:spLocks noChangeShapeType="1"/>
-              </p:cNvSpPr>
-              <p:nvPr/>
-            </p:nvSpPr>
-            <p:spPr bwMode="auto">
-              <a:xfrm flipV="1">
-                <a:off x="749000" y="1898262"/>
-                <a:ext cx="1822684" cy="0"/>
-              </a:xfrm>
-              <a:prstGeom prst="line">
-                <a:avLst/>
-              </a:prstGeom>
-              <a:noFill/>
-              <a:ln w="19050">
-                <a:solidFill>
-                  <a:srgbClr val="7030A0"/>
-                </a:solidFill>
-                <a:round/>
-                <a:headEnd/>
-                <a:tailEnd type="triangle" w="lg" len="lg"/>
-              </a:ln>
-            </p:spPr>
-            <p:txBody>
-              <a:bodyPr/>
-              <a:lstStyle/>
-              <a:p>
-                <a:pPr defTabSz="872733"/>
-                <a:endParaRPr lang="en-US" sz="1500" dirty="0">
-                  <a:solidFill>
-                    <a:prstClr val="black"/>
-                  </a:solidFill>
-                </a:endParaRPr>
-              </a:p>
-            </p:txBody>
-          </p:sp>
-          <p:sp>
-            <p:nvSpPr>
-              <p:cNvPr id="24" name="Line 15"/>
-              <p:cNvSpPr>
-                <a:spLocks noChangeShapeType="1"/>
-              </p:cNvSpPr>
-              <p:nvPr/>
-            </p:nvSpPr>
-            <p:spPr bwMode="auto">
-              <a:xfrm>
-                <a:off x="3006451" y="3090494"/>
-                <a:ext cx="2059199" cy="0"/>
-              </a:xfrm>
-              <a:prstGeom prst="line">
-                <a:avLst/>
-              </a:prstGeom>
-              <a:noFill/>
-              <a:ln w="19050">
-                <a:solidFill>
-                  <a:schemeClr val="accent3">
-                    <a:lumMod val="75000"/>
-                  </a:schemeClr>
-                </a:solidFill>
-                <a:round/>
-                <a:headEnd/>
-                <a:tailEnd type="triangle" w="lg" len="lg"/>
-              </a:ln>
-            </p:spPr>
-            <p:txBody>
-              <a:bodyPr/>
-              <a:lstStyle/>
-              <a:p>
-                <a:pPr defTabSz="872733"/>
-                <a:endParaRPr lang="en-US" sz="1500">
-                  <a:solidFill>
-                    <a:prstClr val="black"/>
-                  </a:solidFill>
-                </a:endParaRPr>
-              </a:p>
-            </p:txBody>
-          </p:sp>
-          <p:sp>
-            <p:nvSpPr>
-              <p:cNvPr id="25" name="Text Box 25"/>
-              <p:cNvSpPr txBox="1">
-                <a:spLocks noChangeArrowheads="1"/>
-              </p:cNvSpPr>
-              <p:nvPr/>
-            </p:nvSpPr>
-            <p:spPr bwMode="auto">
-              <a:xfrm>
-                <a:off x="808004" y="2320801"/>
-                <a:ext cx="2500554" cy="323165"/>
-              </a:xfrm>
-              <a:prstGeom prst="rect">
-                <a:avLst/>
-              </a:prstGeom>
-              <a:noFill/>
-              <a:ln w="12700" algn="ctr">
-                <a:noFill/>
-                <a:miter lim="800000"/>
-                <a:headEnd/>
-                <a:tailEnd/>
-              </a:ln>
-            </p:spPr>
-            <p:txBody>
-              <a:bodyPr wrap="square">
-                <a:spAutoFit/>
-              </a:bodyPr>
-              <a:lstStyle/>
-              <a:p>
-                <a:pPr defTabSz="872733">
-                  <a:spcBef>
-                    <a:spcPct val="50000"/>
-                  </a:spcBef>
-                  <a:buFont typeface="Wingdings" pitchFamily="2" charset="2"/>
-                  <a:buNone/>
-                </a:pPr>
-                <a:r>
-                  <a:rPr lang="en-US" sz="1500" i="1" dirty="0" err="1"/>
-                  <a:t>parseCommand</a:t>
-                </a:r>
-                <a:r>
-                  <a:rPr lang="en-US" sz="1500" i="1" dirty="0"/>
-                  <a:t>(</a:t>
-                </a:r>
-                <a:r>
-                  <a:rPr lang="en-US" sz="1500" i="1" dirty="0" err="1"/>
-                  <a:t>userInput</a:t>
-                </a:r>
-                <a:r>
-                  <a:rPr lang="en-US" sz="1500" i="1" dirty="0"/>
-                  <a:t>)</a:t>
-                </a:r>
-              </a:p>
-            </p:txBody>
-          </p:sp>
-          <p:sp>
-            <p:nvSpPr>
-              <p:cNvPr id="29" name="Text Box 25"/>
-              <p:cNvSpPr txBox="1">
-                <a:spLocks noChangeArrowheads="1"/>
-              </p:cNvSpPr>
-              <p:nvPr/>
-            </p:nvSpPr>
-            <p:spPr bwMode="auto">
-              <a:xfrm>
-                <a:off x="965943" y="3019896"/>
-                <a:ext cx="1710047" cy="553998"/>
-              </a:xfrm>
-              <a:prstGeom prst="rect">
-                <a:avLst/>
-              </a:prstGeom>
-              <a:noFill/>
-              <a:ln w="12700" algn="ctr">
-                <a:noFill/>
-                <a:miter lim="800000"/>
-                <a:headEnd/>
-                <a:tailEnd/>
-              </a:ln>
-            </p:spPr>
-            <p:txBody>
-              <a:bodyPr wrap="square">
-                <a:spAutoFit/>
-              </a:bodyPr>
-              <a:lstStyle/>
-              <a:p>
-                <a:pPr defTabSz="872733">
-                  <a:spcBef>
-                    <a:spcPct val="50000"/>
-                  </a:spcBef>
-                  <a:buFont typeface="Wingdings" pitchFamily="2" charset="2"/>
-                  <a:buNone/>
-                </a:pPr>
-                <a:r>
-                  <a:rPr lang="en-US" sz="1500" i="1" dirty="0"/>
-                  <a:t>return reference to </a:t>
-                </a:r>
-                <a:r>
-                  <a:rPr lang="en-US" sz="1500" i="1" dirty="0" err="1"/>
-                  <a:t>ExitCommand</a:t>
-                </a:r>
-                <a:endParaRPr lang="en-US" sz="1500" i="1" dirty="0"/>
-              </a:p>
-            </p:txBody>
-          </p:sp>
-          <p:sp>
-            <p:nvSpPr>
-              <p:cNvPr id="33" name="Line 13"/>
-              <p:cNvSpPr>
-                <a:spLocks noChangeShapeType="1"/>
-              </p:cNvSpPr>
-              <p:nvPr/>
-            </p:nvSpPr>
-            <p:spPr bwMode="auto">
-              <a:xfrm flipH="1">
-                <a:off x="5843365" y="3396473"/>
-                <a:ext cx="0" cy="1893221"/>
-              </a:xfrm>
-              <a:prstGeom prst="line">
-                <a:avLst/>
-              </a:prstGeom>
-              <a:ln>
-                <a:solidFill>
-                  <a:schemeClr val="accent3">
-                    <a:lumMod val="75000"/>
-                  </a:schemeClr>
-                </a:solidFill>
-                <a:prstDash val="sysDash"/>
-                <a:headEnd/>
-                <a:tailEnd/>
-              </a:ln>
-            </p:spPr>
-            <p:style>
-              <a:lnRef idx="2">
-                <a:schemeClr val="accent4"/>
-              </a:lnRef>
-              <a:fillRef idx="0">
-                <a:schemeClr val="accent4"/>
-              </a:fillRef>
-              <a:effectRef idx="1">
-                <a:schemeClr val="accent4"/>
-              </a:effectRef>
-              <a:fontRef idx="minor">
-                <a:schemeClr val="tx1"/>
-              </a:fontRef>
-            </p:style>
-            <p:txBody>
-              <a:bodyPr/>
-              <a:lstStyle/>
-              <a:p>
-                <a:pPr defTabSz="872733"/>
-                <a:endParaRPr lang="en-US" sz="1500">
-                  <a:solidFill>
-                    <a:prstClr val="black"/>
-                  </a:solidFill>
-                </a:endParaRPr>
-              </a:p>
-            </p:txBody>
-          </p:sp>
-          <p:sp>
-            <p:nvSpPr>
-              <p:cNvPr id="34" name="Line 15"/>
-              <p:cNvSpPr>
-                <a:spLocks noChangeShapeType="1"/>
-              </p:cNvSpPr>
-              <p:nvPr/>
-            </p:nvSpPr>
-            <p:spPr bwMode="auto">
-              <a:xfrm>
-                <a:off x="728768" y="2696242"/>
-                <a:ext cx="2287801" cy="0"/>
-              </a:xfrm>
-              <a:prstGeom prst="line">
-                <a:avLst/>
-              </a:prstGeom>
-              <a:noFill/>
-              <a:ln w="19050">
-                <a:solidFill>
-                  <a:srgbClr val="7030A0"/>
-                </a:solidFill>
-                <a:round/>
-                <a:headEnd/>
-                <a:tailEnd type="triangle" w="lg" len="lg"/>
-              </a:ln>
-            </p:spPr>
-            <p:txBody>
-              <a:bodyPr/>
-              <a:lstStyle/>
-              <a:p>
-                <a:pPr defTabSz="872733"/>
-                <a:endParaRPr lang="en-US" sz="1500">
-                  <a:solidFill>
-                    <a:prstClr val="black"/>
-                  </a:solidFill>
-                </a:endParaRPr>
-              </a:p>
-            </p:txBody>
-          </p:sp>
-          <p:sp>
-            <p:nvSpPr>
-              <p:cNvPr id="38" name="Text Box 25"/>
-              <p:cNvSpPr txBox="1">
-                <a:spLocks noChangeArrowheads="1"/>
-              </p:cNvSpPr>
-              <p:nvPr/>
-            </p:nvSpPr>
-            <p:spPr bwMode="auto">
-              <a:xfrm>
-                <a:off x="1211846" y="1581835"/>
-                <a:ext cx="1182981" cy="323165"/>
-              </a:xfrm>
-              <a:prstGeom prst="rect">
-                <a:avLst/>
-              </a:prstGeom>
-              <a:noFill/>
-              <a:ln w="12700" algn="ctr">
-                <a:noFill/>
-                <a:miter lim="800000"/>
-                <a:headEnd/>
-                <a:tailEnd/>
-              </a:ln>
-            </p:spPr>
-            <p:txBody>
-              <a:bodyPr wrap="square">
-                <a:spAutoFit/>
-              </a:bodyPr>
-              <a:lstStyle/>
-              <a:p>
-                <a:pPr defTabSz="872733">
-                  <a:spcBef>
-                    <a:spcPct val="50000"/>
-                  </a:spcBef>
-                  <a:buFont typeface="Wingdings" pitchFamily="2" charset="2"/>
-                  <a:buNone/>
-                </a:pPr>
-                <a:r>
-                  <a:rPr lang="en-US" sz="1500" i="1" dirty="0"/>
-                  <a:t>Parser()</a:t>
-                </a:r>
-              </a:p>
-            </p:txBody>
-          </p:sp>
-          <p:sp>
-            <p:nvSpPr>
-              <p:cNvPr id="45" name="Line 15">
-                <a:extLst>
-                  <a:ext uri="{FF2B5EF4-FFF2-40B4-BE49-F238E27FC236}">
-                    <a16:creationId xmlns:a16="http://schemas.microsoft.com/office/drawing/2014/main" id="{0EB24DA8-2498-4853-AED4-3458A81C456A}"/>
-                  </a:ext>
-                </a:extLst>
-              </p:cNvPr>
-              <p:cNvSpPr>
-                <a:spLocks noChangeShapeType="1"/>
-              </p:cNvSpPr>
-              <p:nvPr/>
-            </p:nvSpPr>
-            <p:spPr bwMode="auto">
-              <a:xfrm>
-                <a:off x="728768" y="4066310"/>
-                <a:ext cx="5114597" cy="0"/>
-              </a:xfrm>
-              <a:prstGeom prst="line">
-                <a:avLst/>
-              </a:prstGeom>
-              <a:noFill/>
-              <a:ln w="19050">
-                <a:solidFill>
-                  <a:schemeClr val="accent3">
-                    <a:lumMod val="75000"/>
-                  </a:schemeClr>
-                </a:solidFill>
-                <a:round/>
-                <a:headEnd/>
-                <a:tailEnd type="triangle" w="lg" len="lg"/>
-              </a:ln>
-            </p:spPr>
-            <p:txBody>
-              <a:bodyPr/>
-              <a:lstStyle/>
-              <a:p>
-                <a:pPr defTabSz="872733"/>
-                <a:endParaRPr lang="en-US" sz="1500">
-                  <a:solidFill>
-                    <a:prstClr val="black"/>
-                  </a:solidFill>
-                </a:endParaRPr>
-              </a:p>
-            </p:txBody>
-          </p:sp>
-          <p:sp>
-            <p:nvSpPr>
-              <p:cNvPr id="47" name="Text Box 25">
-                <a:extLst>
-                  <a:ext uri="{FF2B5EF4-FFF2-40B4-BE49-F238E27FC236}">
-                    <a16:creationId xmlns:a16="http://schemas.microsoft.com/office/drawing/2014/main" id="{342B431E-151F-4A55-A1AE-57F6FE56D1EF}"/>
-                  </a:ext>
-                </a:extLst>
-              </p:cNvPr>
-              <p:cNvSpPr txBox="1">
-                <a:spLocks noChangeArrowheads="1"/>
-              </p:cNvSpPr>
-              <p:nvPr/>
-            </p:nvSpPr>
-            <p:spPr bwMode="auto">
-              <a:xfrm>
-                <a:off x="3174259" y="2826789"/>
-                <a:ext cx="1404873" cy="323165"/>
-              </a:xfrm>
-              <a:prstGeom prst="rect">
-                <a:avLst/>
-              </a:prstGeom>
-              <a:noFill/>
-              <a:ln w="12700" algn="ctr">
-                <a:noFill/>
-                <a:miter lim="800000"/>
-                <a:headEnd/>
-                <a:tailEnd/>
-              </a:ln>
-            </p:spPr>
-            <p:txBody>
-              <a:bodyPr wrap="square">
-                <a:spAutoFit/>
-              </a:bodyPr>
-              <a:lstStyle/>
-              <a:p>
-                <a:pPr defTabSz="872733">
-                  <a:spcBef>
-                    <a:spcPct val="50000"/>
-                  </a:spcBef>
-                  <a:buFont typeface="Wingdings" pitchFamily="2" charset="2"/>
-                  <a:buNone/>
-                </a:pPr>
-                <a:r>
-                  <a:rPr lang="en-US" sz="1500" i="1" dirty="0" err="1"/>
-                  <a:t>ExitCommand</a:t>
-                </a:r>
-                <a:r>
-                  <a:rPr lang="en-US" sz="1500" i="1" dirty="0"/>
-                  <a:t>()</a:t>
-                </a:r>
-              </a:p>
-            </p:txBody>
-          </p:sp>
-          <p:sp>
-            <p:nvSpPr>
-              <p:cNvPr id="48" name="Line 16">
-                <a:extLst>
-                  <a:ext uri="{FF2B5EF4-FFF2-40B4-BE49-F238E27FC236}">
-                    <a16:creationId xmlns:a16="http://schemas.microsoft.com/office/drawing/2014/main" id="{5278BFBC-6FA4-432C-994E-8DD2A55ED046}"/>
-                  </a:ext>
-                </a:extLst>
-              </p:cNvPr>
-              <p:cNvSpPr>
-                <a:spLocks noChangeShapeType="1"/>
-              </p:cNvSpPr>
-              <p:nvPr/>
-            </p:nvSpPr>
-            <p:spPr bwMode="auto">
-              <a:xfrm flipH="1" flipV="1">
-                <a:off x="748998" y="3568305"/>
-                <a:ext cx="2257453" cy="0"/>
-              </a:xfrm>
-              <a:prstGeom prst="line">
-                <a:avLst/>
-              </a:prstGeom>
-              <a:noFill/>
-              <a:ln w="19050">
-                <a:solidFill>
-                  <a:schemeClr val="accent4"/>
-                </a:solidFill>
-                <a:prstDash val="sysDash"/>
-                <a:round/>
-                <a:headEnd/>
-                <a:tailEnd type="triangle" w="lg" len="lg"/>
-              </a:ln>
-            </p:spPr>
-            <p:txBody>
-              <a:bodyPr/>
-              <a:lstStyle/>
-              <a:p>
-                <a:pPr defTabSz="872733"/>
-                <a:endParaRPr lang="en-US" sz="1500">
-                  <a:solidFill>
-                    <a:prstClr val="black"/>
-                  </a:solidFill>
-                </a:endParaRPr>
-              </a:p>
-            </p:txBody>
-          </p:sp>
-          <p:cxnSp>
-            <p:nvCxnSpPr>
-              <p:cNvPr id="49" name="Straight Connector 48">
-                <a:extLst>
-                  <a:ext uri="{FF2B5EF4-FFF2-40B4-BE49-F238E27FC236}">
-                    <a16:creationId xmlns:a16="http://schemas.microsoft.com/office/drawing/2014/main" id="{054EC965-613F-450A-BDA7-4AEF688EE06E}"/>
-                  </a:ext>
-                </a:extLst>
-              </p:cNvPr>
-              <p:cNvCxnSpPr/>
-              <p:nvPr/>
-            </p:nvCxnSpPr>
-            <p:spPr>
-              <a:xfrm rot="16200000" flipV="1">
-                <a:off x="2879243" y="3679211"/>
-                <a:ext cx="284430" cy="267655"/>
-              </a:xfrm>
-              <a:prstGeom prst="line">
-                <a:avLst/>
-              </a:prstGeom>
-              <a:ln w="19050">
-                <a:solidFill>
-                  <a:schemeClr val="accent4">
-                    <a:lumMod val="75000"/>
-                  </a:schemeClr>
-                </a:solidFill>
-              </a:ln>
-            </p:spPr>
-            <p:style>
-              <a:lnRef idx="1">
-                <a:schemeClr val="accent1"/>
-              </a:lnRef>
-              <a:fillRef idx="0">
-                <a:schemeClr val="accent1"/>
-              </a:fillRef>
-              <a:effectRef idx="0">
-                <a:schemeClr val="accent1"/>
-              </a:effectRef>
-              <a:fontRef idx="minor">
-                <a:schemeClr val="tx1"/>
-              </a:fontRef>
-            </p:style>
-          </p:cxnSp>
-          <p:cxnSp>
-            <p:nvCxnSpPr>
-              <p:cNvPr id="50" name="Straight Connector 49">
-                <a:extLst>
-                  <a:ext uri="{FF2B5EF4-FFF2-40B4-BE49-F238E27FC236}">
-                    <a16:creationId xmlns:a16="http://schemas.microsoft.com/office/drawing/2014/main" id="{BCC52252-11B3-4A56-A114-AE5F1D9A8E9B}"/>
-                  </a:ext>
-                </a:extLst>
-              </p:cNvPr>
-              <p:cNvCxnSpPr/>
-              <p:nvPr/>
-            </p:nvCxnSpPr>
-            <p:spPr>
-              <a:xfrm rot="5400000">
-                <a:off x="2872653" y="3683705"/>
-                <a:ext cx="288175" cy="266007"/>
-              </a:xfrm>
-              <a:prstGeom prst="line">
-                <a:avLst/>
-              </a:prstGeom>
-              <a:ln w="19050">
-                <a:solidFill>
-                  <a:schemeClr val="accent4">
-                    <a:lumMod val="75000"/>
-                  </a:schemeClr>
-                </a:solidFill>
-              </a:ln>
-            </p:spPr>
-            <p:style>
-              <a:lnRef idx="1">
-                <a:schemeClr val="accent1"/>
-              </a:lnRef>
-              <a:fillRef idx="0">
-                <a:schemeClr val="accent1"/>
-              </a:fillRef>
-              <a:effectRef idx="0">
-                <a:schemeClr val="accent1"/>
-              </a:effectRef>
-              <a:fontRef idx="minor">
-                <a:schemeClr val="tx1"/>
-              </a:fontRef>
-            </p:style>
-          </p:cxnSp>
-          <p:sp>
-            <p:nvSpPr>
-              <p:cNvPr id="51" name="Text Box 25">
-                <a:extLst>
-                  <a:ext uri="{FF2B5EF4-FFF2-40B4-BE49-F238E27FC236}">
-                    <a16:creationId xmlns:a16="http://schemas.microsoft.com/office/drawing/2014/main" id="{34020A70-184B-4A57-816D-CCE686742C10}"/>
-                  </a:ext>
-                </a:extLst>
-              </p:cNvPr>
-              <p:cNvSpPr txBox="1">
-                <a:spLocks noChangeArrowheads="1"/>
-              </p:cNvSpPr>
-              <p:nvPr/>
-            </p:nvSpPr>
-            <p:spPr bwMode="auto">
-              <a:xfrm>
-                <a:off x="3799306" y="3733800"/>
-                <a:ext cx="886908" cy="323165"/>
-              </a:xfrm>
-              <a:prstGeom prst="rect">
-                <a:avLst/>
-              </a:prstGeom>
-              <a:noFill/>
-              <a:ln w="12700" algn="ctr">
-                <a:noFill/>
-                <a:miter lim="800000"/>
-                <a:headEnd/>
-                <a:tailEnd/>
-              </a:ln>
-            </p:spPr>
-            <p:txBody>
-              <a:bodyPr wrap="square">
-                <a:spAutoFit/>
-              </a:bodyPr>
-              <a:lstStyle/>
-              <a:p>
-                <a:pPr defTabSz="872733">
-                  <a:spcBef>
-                    <a:spcPct val="50000"/>
-                  </a:spcBef>
-                  <a:buFont typeface="Wingdings" pitchFamily="2" charset="2"/>
-                  <a:buNone/>
-                </a:pPr>
-                <a:r>
-                  <a:rPr lang="en-US" sz="1500" i="1" dirty="0"/>
-                  <a:t>execute()</a:t>
-                </a:r>
-              </a:p>
-            </p:txBody>
-          </p:sp>
-          <p:cxnSp>
-            <p:nvCxnSpPr>
-              <p:cNvPr id="54" name="Straight Connector 53">
-                <a:extLst>
-                  <a:ext uri="{FF2B5EF4-FFF2-40B4-BE49-F238E27FC236}">
-                    <a16:creationId xmlns:a16="http://schemas.microsoft.com/office/drawing/2014/main" id="{BB6AEF2A-70C0-4C86-ACC0-ED4823D6AC46}"/>
-                  </a:ext>
-                </a:extLst>
-              </p:cNvPr>
-              <p:cNvCxnSpPr/>
-              <p:nvPr/>
-            </p:nvCxnSpPr>
-            <p:spPr>
-              <a:xfrm rot="16200000" flipV="1">
-                <a:off x="5698544" y="5196333"/>
-                <a:ext cx="284430" cy="267655"/>
-              </a:xfrm>
-              <a:prstGeom prst="line">
-                <a:avLst/>
-              </a:prstGeom>
-              <a:ln w="19050">
-                <a:solidFill>
-                  <a:schemeClr val="accent3">
-                    <a:lumMod val="75000"/>
-                  </a:schemeClr>
-                </a:solidFill>
-              </a:ln>
-            </p:spPr>
-            <p:style>
-              <a:lnRef idx="1">
-                <a:schemeClr val="accent1"/>
-              </a:lnRef>
-              <a:fillRef idx="0">
-                <a:schemeClr val="accent1"/>
-              </a:fillRef>
-              <a:effectRef idx="0">
-                <a:schemeClr val="accent1"/>
-              </a:effectRef>
-              <a:fontRef idx="minor">
-                <a:schemeClr val="tx1"/>
-              </a:fontRef>
-            </p:style>
-          </p:cxnSp>
-          <p:cxnSp>
-            <p:nvCxnSpPr>
-              <p:cNvPr id="55" name="Straight Connector 54">
-                <a:extLst>
-                  <a:ext uri="{FF2B5EF4-FFF2-40B4-BE49-F238E27FC236}">
-                    <a16:creationId xmlns:a16="http://schemas.microsoft.com/office/drawing/2014/main" id="{9664B067-90B9-447F-947E-62F78A316229}"/>
-                  </a:ext>
-                </a:extLst>
-              </p:cNvPr>
-              <p:cNvCxnSpPr/>
-              <p:nvPr/>
-            </p:nvCxnSpPr>
-            <p:spPr>
-              <a:xfrm rot="5400000">
-                <a:off x="5691954" y="5200827"/>
-                <a:ext cx="288175" cy="266007"/>
-              </a:xfrm>
-              <a:prstGeom prst="line">
-                <a:avLst/>
-              </a:prstGeom>
-              <a:ln w="19050">
-                <a:solidFill>
-                  <a:schemeClr val="accent3">
-                    <a:lumMod val="75000"/>
-                  </a:schemeClr>
-                </a:solidFill>
-              </a:ln>
-            </p:spPr>
-            <p:style>
-              <a:lnRef idx="1">
-                <a:schemeClr val="accent1"/>
-              </a:lnRef>
-              <a:fillRef idx="0">
-                <a:schemeClr val="accent1"/>
-              </a:fillRef>
-              <a:effectRef idx="0">
-                <a:schemeClr val="accent1"/>
-              </a:effectRef>
-              <a:fontRef idx="minor">
-                <a:schemeClr val="tx1"/>
-              </a:fontRef>
-            </p:style>
-          </p:cxnSp>
-          <p:sp>
-            <p:nvSpPr>
-              <p:cNvPr id="30" name="Line 16">
-                <a:extLst>
-                  <a:ext uri="{FF2B5EF4-FFF2-40B4-BE49-F238E27FC236}">
-                    <a16:creationId xmlns:a16="http://schemas.microsoft.com/office/drawing/2014/main" id="{FDA32707-D20E-473E-ACEB-0E87B57EE3F4}"/>
-                  </a:ext>
-                </a:extLst>
-              </p:cNvPr>
-              <p:cNvSpPr>
-                <a:spLocks noChangeShapeType="1"/>
-              </p:cNvSpPr>
-              <p:nvPr/>
-            </p:nvSpPr>
-            <p:spPr bwMode="auto">
-              <a:xfrm flipH="1">
-                <a:off x="748997" y="4943959"/>
-                <a:ext cx="5084251" cy="1"/>
-              </a:xfrm>
-              <a:prstGeom prst="line">
-                <a:avLst/>
-              </a:prstGeom>
-              <a:noFill/>
-              <a:ln w="19050">
-                <a:solidFill>
-                  <a:schemeClr val="accent3">
-                    <a:lumMod val="75000"/>
-                  </a:schemeClr>
-                </a:solidFill>
-                <a:prstDash val="sysDash"/>
-                <a:round/>
-                <a:headEnd/>
-                <a:tailEnd type="triangle" w="lg" len="lg"/>
-              </a:ln>
-            </p:spPr>
-            <p:txBody>
-              <a:bodyPr/>
-              <a:lstStyle/>
-              <a:p>
-                <a:pPr defTabSz="872733"/>
-                <a:endParaRPr lang="en-US" sz="1500">
-                  <a:solidFill>
-                    <a:prstClr val="black"/>
-                  </a:solidFill>
-                </a:endParaRPr>
-              </a:p>
-            </p:txBody>
-          </p:sp>
-        </p:grpSp>
+              </a:endParaRPr>
+            </a:p>
+          </p:txBody>
+        </p:sp>
       </p:grpSp>
+      <p:sp>
+        <p:nvSpPr>
+          <p:cNvPr id="26" name="Google Shape;58;p14">
+            <a:extLst>
+              <a:ext uri="{FF2B5EF4-FFF2-40B4-BE49-F238E27FC236}">
+                <a16:creationId xmlns:a16="http://schemas.microsoft.com/office/drawing/2014/main" id="{43B6A2D7-C561-4ADC-AE2E-7760DD2BD527}"/>
+              </a:ext>
+            </a:extLst>
+          </p:cNvPr>
+          <p:cNvSpPr/>
+          <p:nvPr/>
+        </p:nvSpPr>
+        <p:spPr>
+          <a:xfrm>
+            <a:off x="924465" y="916702"/>
+            <a:ext cx="1523999" cy="485190"/>
+          </a:xfrm>
+          <a:prstGeom prst="rect">
+            <a:avLst/>
+          </a:prstGeom>
+          <a:gradFill flip="none" rotWithShape="1">
+            <a:gsLst>
+              <a:gs pos="0">
+                <a:srgbClr val="FF9999"/>
+              </a:gs>
+              <a:gs pos="50000">
+                <a:srgbClr val="FF7C80">
+                  <a:tint val="44500"/>
+                  <a:satMod val="160000"/>
+                </a:srgbClr>
+              </a:gs>
+              <a:gs pos="100000">
+                <a:srgbClr val="FF7C80">
+                  <a:tint val="23500"/>
+                  <a:satMod val="160000"/>
+                </a:srgbClr>
+              </a:gs>
+            </a:gsLst>
+            <a:lin ang="16200000" scaled="1"/>
+            <a:tileRect/>
+          </a:gradFill>
+          <a:ln w="19050" cap="flat" cmpd="sng">
+            <a:solidFill>
+              <a:srgbClr val="FF9999"/>
+            </a:solidFill>
+            <a:prstDash val="solid"/>
+            <a:round/>
+            <a:headEnd type="none" w="sm" len="sm"/>
+            <a:tailEnd type="none" w="sm" len="sm"/>
+          </a:ln>
+          <a:effectLst>
+            <a:outerShdw blurRad="40000" dist="20000" dir="5400000" rotWithShape="0">
+              <a:srgbClr val="000000">
+                <a:alpha val="37650"/>
+              </a:srgbClr>
+            </a:outerShdw>
+          </a:effectLst>
+        </p:spPr>
+        <p:txBody>
+          <a:bodyPr spcFirstLastPara="1" wrap="square" lIns="91425" tIns="45700" rIns="91425" bIns="45700" anchor="ctr" anchorCtr="0">
+            <a:noAutofit/>
+          </a:bodyPr>
+          <a:lstStyle/>
+          <a:p>
+            <a:pPr algn="ctr"/>
+            <a:r>
+              <a:rPr lang="en-SG" sz="1300" dirty="0">
+                <a:latin typeface="Calibri"/>
+                <a:ea typeface="Calibri"/>
+                <a:cs typeface="Calibri"/>
+                <a:sym typeface="Calibri"/>
+              </a:rPr>
+              <a:t>:Duke</a:t>
+            </a:r>
+            <a:endParaRPr sz="1300" dirty="0"/>
+          </a:p>
+        </p:txBody>
+      </p:sp>
+      <p:sp>
+        <p:nvSpPr>
+          <p:cNvPr id="27" name="Google Shape;59;p14">
+            <a:extLst>
+              <a:ext uri="{FF2B5EF4-FFF2-40B4-BE49-F238E27FC236}">
+                <a16:creationId xmlns:a16="http://schemas.microsoft.com/office/drawing/2014/main" id="{3FD7C4F5-90E6-485F-BE63-163F86C65AE1}"/>
+              </a:ext>
+            </a:extLst>
+          </p:cNvPr>
+          <p:cNvSpPr/>
+          <p:nvPr/>
+        </p:nvSpPr>
+        <p:spPr>
+          <a:xfrm>
+            <a:off x="3481038" y="1689794"/>
+            <a:ext cx="1022377" cy="442408"/>
+          </a:xfrm>
+          <a:prstGeom prst="rect">
+            <a:avLst/>
+          </a:prstGeom>
+          <a:gradFill flip="none" rotWithShape="1">
+            <a:gsLst>
+              <a:gs pos="0">
+                <a:srgbClr val="990099">
+                  <a:tint val="66000"/>
+                  <a:satMod val="160000"/>
+                </a:srgbClr>
+              </a:gs>
+              <a:gs pos="50000">
+                <a:srgbClr val="990099">
+                  <a:tint val="44500"/>
+                  <a:satMod val="160000"/>
+                </a:srgbClr>
+              </a:gs>
+              <a:gs pos="100000">
+                <a:srgbClr val="990099">
+                  <a:tint val="23500"/>
+                  <a:satMod val="160000"/>
+                </a:srgbClr>
+              </a:gs>
+            </a:gsLst>
+            <a:lin ang="16200000" scaled="1"/>
+            <a:tileRect/>
+          </a:gradFill>
+          <a:ln w="19050" cap="flat" cmpd="sng">
+            <a:solidFill>
+              <a:srgbClr val="CF92CF"/>
+            </a:solidFill>
+            <a:prstDash val="solid"/>
+            <a:round/>
+            <a:headEnd type="none" w="sm" len="sm"/>
+            <a:tailEnd type="none" w="sm" len="sm"/>
+          </a:ln>
+          <a:effectLst>
+            <a:outerShdw blurRad="40000" dist="20000" dir="5400000" rotWithShape="0">
+              <a:srgbClr val="000000">
+                <a:alpha val="37650"/>
+              </a:srgbClr>
+            </a:outerShdw>
+          </a:effectLst>
+        </p:spPr>
+        <p:txBody>
+          <a:bodyPr spcFirstLastPara="1" wrap="square" lIns="91425" tIns="45700" rIns="91425" bIns="45700" anchor="ctr" anchorCtr="0">
+            <a:noAutofit/>
+          </a:bodyPr>
+          <a:lstStyle/>
+          <a:p>
+            <a:pPr algn="ctr"/>
+            <a:r>
+              <a:rPr lang="en" sz="1300" dirty="0">
+                <a:latin typeface="Calibri"/>
+                <a:ea typeface="Calibri"/>
+                <a:cs typeface="Calibri"/>
+                <a:sym typeface="Calibri"/>
+              </a:rPr>
+              <a:t>:Parser</a:t>
+            </a:r>
+            <a:endParaRPr sz="1300" dirty="0"/>
+          </a:p>
+        </p:txBody>
+      </p:sp>
     </p:spTree>
     <p:extLst>
       <p:ext uri="{BB962C8B-B14F-4D97-AF65-F5344CB8AC3E}">

--- a/docs/slides/Exit.pptx
+++ b/docs/slides/Exit.pptx
@@ -341,7 +341,7 @@
           <a:p>
             <a:fld id="{9629A0FB-7277-41B0-BEC2-EE35F8B0CE39}" type="datetimeFigureOut">
               <a:rPr lang="en-SG" smtClean="0"/>
-              <a:t>5/4/2020</a:t>
+              <a:t>9/4/2020</a:t>
             </a:fld>
             <a:endParaRPr lang="en-SG"/>
           </a:p>
@@ -4960,15 +4960,14 @@
           <a:p>
             <a:pPr algn="ctr"/>
             <a:r>
-              <a:rPr lang="en-SG" sz="1300" dirty="0">
-                <a:latin typeface="Calibri"/>
+              <a:rPr lang="en-SG" sz="1500" dirty="0">
                 <a:ea typeface="Calibri"/>
                 <a:cs typeface="Calibri"/>
                 <a:sym typeface="Calibri"/>
               </a:rPr>
               <a:t>:Duke</a:t>
             </a:r>
-            <a:endParaRPr sz="1300" dirty="0"/>
+            <a:endParaRPr sz="1500" dirty="0"/>
           </a:p>
         </p:txBody>
       </p:sp>
@@ -5041,15 +5040,14 @@
           <a:p>
             <a:pPr algn="ctr"/>
             <a:r>
-              <a:rPr lang="en" sz="1300" dirty="0">
-                <a:latin typeface="Calibri"/>
+              <a:rPr lang="en" sz="1500" dirty="0">
                 <a:ea typeface="Calibri"/>
                 <a:cs typeface="Calibri"/>
                 <a:sym typeface="Calibri"/>
               </a:rPr>
               <a:t>:Parser</a:t>
             </a:r>
-            <a:endParaRPr sz="1300" dirty="0"/>
+            <a:endParaRPr sz="1500" dirty="0"/>
           </a:p>
         </p:txBody>
       </p:sp>
